--- a/img/pin-out/101020593.pptx
+++ b/img/pin-out/101020593.pptx
@@ -5,11 +5,14 @@
     <p:sldMasterId id="2147483648" r:id="rId1"/>
   </p:sldMasterIdLst>
   <p:notesMasterIdLst>
-    <p:notesMasterId r:id="rId4"/>
+    <p:notesMasterId r:id="rId7"/>
   </p:notesMasterIdLst>
   <p:sldIdLst>
     <p:sldId id="256" r:id="rId2"/>
     <p:sldId id="257" r:id="rId3"/>
+    <p:sldId id="258" r:id="rId4"/>
+    <p:sldId id="259" r:id="rId5"/>
+    <p:sldId id="260" r:id="rId6"/>
   </p:sldIdLst>
   <p:sldSz cx="12192000" cy="6858000"/>
   <p:notesSz cx="6858000" cy="9144000"/>
@@ -210,7 +213,7 @@
           <a:p>
             <a:fld id="{4EB02BDD-3154-492D-BE59-59C507D5296B}" type="datetimeFigureOut">
               <a:rPr lang="zh-CN" altLang="en-US" smtClean="0"/>
-              <a:t>2018/11/27</a:t>
+              <a:t>2018/11/28</a:t>
             </a:fld>
             <a:endParaRPr lang="zh-CN" altLang="en-US"/>
           </a:p>
@@ -710,7 +713,7 @@
           <a:p>
             <a:fld id="{6BAEC7DB-416E-4648-AE31-15D6F0A9A9FB}" type="datetimeFigureOut">
               <a:rPr lang="en-US" smtClean="0"/>
-              <a:t>11/27/2018</a:t>
+              <a:t>11/28/2018</a:t>
             </a:fld>
             <a:endParaRPr lang="en-US"/>
           </a:p>
@@ -910,7 +913,7 @@
           <a:p>
             <a:fld id="{6BAEC7DB-416E-4648-AE31-15D6F0A9A9FB}" type="datetimeFigureOut">
               <a:rPr lang="en-US" smtClean="0"/>
-              <a:t>11/27/2018</a:t>
+              <a:t>11/28/2018</a:t>
             </a:fld>
             <a:endParaRPr lang="en-US"/>
           </a:p>
@@ -1120,7 +1123,7 @@
           <a:p>
             <a:fld id="{6BAEC7DB-416E-4648-AE31-15D6F0A9A9FB}" type="datetimeFigureOut">
               <a:rPr lang="en-US" smtClean="0"/>
-              <a:t>11/27/2018</a:t>
+              <a:t>11/28/2018</a:t>
             </a:fld>
             <a:endParaRPr lang="en-US"/>
           </a:p>
@@ -1320,7 +1323,7 @@
           <a:p>
             <a:fld id="{6BAEC7DB-416E-4648-AE31-15D6F0A9A9FB}" type="datetimeFigureOut">
               <a:rPr lang="en-US" smtClean="0"/>
-              <a:t>11/27/2018</a:t>
+              <a:t>11/28/2018</a:t>
             </a:fld>
             <a:endParaRPr lang="en-US"/>
           </a:p>
@@ -1596,7 +1599,7 @@
           <a:p>
             <a:fld id="{6BAEC7DB-416E-4648-AE31-15D6F0A9A9FB}" type="datetimeFigureOut">
               <a:rPr lang="en-US" smtClean="0"/>
-              <a:t>11/27/2018</a:t>
+              <a:t>11/28/2018</a:t>
             </a:fld>
             <a:endParaRPr lang="en-US"/>
           </a:p>
@@ -1864,7 +1867,7 @@
           <a:p>
             <a:fld id="{6BAEC7DB-416E-4648-AE31-15D6F0A9A9FB}" type="datetimeFigureOut">
               <a:rPr lang="en-US" smtClean="0"/>
-              <a:t>11/27/2018</a:t>
+              <a:t>11/28/2018</a:t>
             </a:fld>
             <a:endParaRPr lang="en-US"/>
           </a:p>
@@ -2279,7 +2282,7 @@
           <a:p>
             <a:fld id="{6BAEC7DB-416E-4648-AE31-15D6F0A9A9FB}" type="datetimeFigureOut">
               <a:rPr lang="en-US" smtClean="0"/>
-              <a:t>11/27/2018</a:t>
+              <a:t>11/28/2018</a:t>
             </a:fld>
             <a:endParaRPr lang="en-US"/>
           </a:p>
@@ -2421,7 +2424,7 @@
           <a:p>
             <a:fld id="{6BAEC7DB-416E-4648-AE31-15D6F0A9A9FB}" type="datetimeFigureOut">
               <a:rPr lang="en-US" smtClean="0"/>
-              <a:t>11/27/2018</a:t>
+              <a:t>11/28/2018</a:t>
             </a:fld>
             <a:endParaRPr lang="en-US"/>
           </a:p>
@@ -2534,7 +2537,7 @@
           <a:p>
             <a:fld id="{6BAEC7DB-416E-4648-AE31-15D6F0A9A9FB}" type="datetimeFigureOut">
               <a:rPr lang="en-US" smtClean="0"/>
-              <a:t>11/27/2018</a:t>
+              <a:t>11/28/2018</a:t>
             </a:fld>
             <a:endParaRPr lang="en-US"/>
           </a:p>
@@ -2847,7 +2850,7 @@
           <a:p>
             <a:fld id="{6BAEC7DB-416E-4648-AE31-15D6F0A9A9FB}" type="datetimeFigureOut">
               <a:rPr lang="en-US" smtClean="0"/>
-              <a:t>11/27/2018</a:t>
+              <a:t>11/28/2018</a:t>
             </a:fld>
             <a:endParaRPr lang="en-US"/>
           </a:p>
@@ -3136,7 +3139,7 @@
           <a:p>
             <a:fld id="{6BAEC7DB-416E-4648-AE31-15D6F0A9A9FB}" type="datetimeFigureOut">
               <a:rPr lang="en-US" smtClean="0"/>
-              <a:t>11/27/2018</a:t>
+              <a:t>11/28/2018</a:t>
             </a:fld>
             <a:endParaRPr lang="en-US"/>
           </a:p>
@@ -3379,7 +3382,7 @@
           <a:p>
             <a:fld id="{6BAEC7DB-416E-4648-AE31-15D6F0A9A9FB}" type="datetimeFigureOut">
               <a:rPr lang="en-US" smtClean="0"/>
-              <a:t>11/27/2018</a:t>
+              <a:t>11/28/2018</a:t>
             </a:fld>
             <a:endParaRPr lang="en-US"/>
           </a:p>
@@ -5153,6 +5156,1114 @@
     <p:extLst>
       <p:ext uri="{BB962C8B-B14F-4D97-AF65-F5344CB8AC3E}">
         <p14:creationId xmlns:p14="http://schemas.microsoft.com/office/powerpoint/2010/main" val="373058863"/>
+      </p:ext>
+    </p:extLst>
+  </p:cSld>
+  <p:clrMapOvr>
+    <a:masterClrMapping/>
+  </p:clrMapOvr>
+</p:sld>
+</file>
+
+<file path=ppt/slides/slide3.xml><?xml version="1.0" encoding="utf-8"?>
+<p:sld xmlns:a="http://schemas.openxmlformats.org/drawingml/2006/main" xmlns:r="http://schemas.openxmlformats.org/officeDocument/2006/relationships" xmlns:p="http://schemas.openxmlformats.org/presentationml/2006/main">
+  <p:cSld>
+    <p:spTree>
+      <p:nvGrpSpPr>
+        <p:cNvPr id="1" name=""/>
+        <p:cNvGrpSpPr/>
+        <p:nvPr/>
+      </p:nvGrpSpPr>
+      <p:grpSpPr>
+        <a:xfrm>
+          <a:off x="0" y="0"/>
+          <a:ext cx="0" cy="0"/>
+          <a:chOff x="0" y="0"/>
+          <a:chExt cx="0" cy="0"/>
+        </a:xfrm>
+      </p:grpSpPr>
+      <p:pic>
+        <p:nvPicPr>
+          <p:cNvPr id="4" name="图片 3">
+            <a:extLst>
+              <a:ext uri="{FF2B5EF4-FFF2-40B4-BE49-F238E27FC236}">
+                <a16:creationId xmlns:a16="http://schemas.microsoft.com/office/drawing/2014/main" id="{70E54FC7-0B4D-4410-9ED9-8E06363246E0}"/>
+              </a:ext>
+            </a:extLst>
+          </p:cNvPr>
+          <p:cNvPicPr>
+            <a:picLocks noChangeAspect="1"/>
+          </p:cNvPicPr>
+          <p:nvPr/>
+        </p:nvPicPr>
+        <p:blipFill>
+          <a:blip r:embed="rId2">
+            <a:extLst>
+              <a:ext uri="{28A0092B-C50C-407E-A947-70E740481C1C}">
+                <a14:useLocalDpi xmlns:a14="http://schemas.microsoft.com/office/drawing/2010/main" val="0"/>
+              </a:ext>
+            </a:extLst>
+          </a:blip>
+          <a:stretch>
+            <a:fillRect/>
+          </a:stretch>
+        </p:blipFill>
+        <p:spPr>
+          <a:xfrm>
+            <a:off x="685799" y="607218"/>
+            <a:ext cx="7524751" cy="5643564"/>
+          </a:xfrm>
+          <a:prstGeom prst="rect">
+            <a:avLst/>
+          </a:prstGeom>
+        </p:spPr>
+      </p:pic>
+      <p:pic>
+        <p:nvPicPr>
+          <p:cNvPr id="6" name="图片 5">
+            <a:extLst>
+              <a:ext uri="{FF2B5EF4-FFF2-40B4-BE49-F238E27FC236}">
+                <a16:creationId xmlns:a16="http://schemas.microsoft.com/office/drawing/2014/main" id="{689BDC85-FD4C-476F-8F17-869C3D21DE63}"/>
+              </a:ext>
+            </a:extLst>
+          </p:cNvPr>
+          <p:cNvPicPr>
+            <a:picLocks noChangeAspect="1"/>
+          </p:cNvPicPr>
+          <p:nvPr/>
+        </p:nvPicPr>
+        <p:blipFill>
+          <a:blip r:embed="rId3">
+            <a:extLst>
+              <a:ext uri="{28A0092B-C50C-407E-A947-70E740481C1C}">
+                <a14:useLocalDpi xmlns:a14="http://schemas.microsoft.com/office/drawing/2010/main" val="0"/>
+              </a:ext>
+            </a:extLst>
+          </a:blip>
+          <a:stretch>
+            <a:fillRect/>
+          </a:stretch>
+        </p:blipFill>
+        <p:spPr>
+          <a:xfrm>
+            <a:off x="10675917" y="130630"/>
+            <a:ext cx="1348374" cy="1348374"/>
+          </a:xfrm>
+          <a:prstGeom prst="rect">
+            <a:avLst/>
+          </a:prstGeom>
+        </p:spPr>
+      </p:pic>
+      <p:pic>
+        <p:nvPicPr>
+          <p:cNvPr id="10" name="图片 9">
+            <a:extLst>
+              <a:ext uri="{FF2B5EF4-FFF2-40B4-BE49-F238E27FC236}">
+                <a16:creationId xmlns:a16="http://schemas.microsoft.com/office/drawing/2014/main" id="{BE43FDD9-0572-4321-AE6C-21F80762EC46}"/>
+              </a:ext>
+            </a:extLst>
+          </p:cNvPr>
+          <p:cNvPicPr>
+            <a:picLocks noChangeAspect="1"/>
+          </p:cNvPicPr>
+          <p:nvPr/>
+        </p:nvPicPr>
+        <p:blipFill>
+          <a:blip r:embed="rId4">
+            <a:extLst>
+              <a:ext uri="{28A0092B-C50C-407E-A947-70E740481C1C}">
+                <a14:useLocalDpi xmlns:a14="http://schemas.microsoft.com/office/drawing/2010/main" val="0"/>
+              </a:ext>
+            </a:extLst>
+          </a:blip>
+          <a:stretch>
+            <a:fillRect/>
+          </a:stretch>
+        </p:blipFill>
+        <p:spPr>
+          <a:xfrm rot="10800000">
+            <a:off x="7277098" y="2020509"/>
+            <a:ext cx="1681890" cy="740532"/>
+          </a:xfrm>
+          <a:prstGeom prst="rect">
+            <a:avLst/>
+          </a:prstGeom>
+        </p:spPr>
+      </p:pic>
+      <p:cxnSp>
+        <p:nvCxnSpPr>
+          <p:cNvPr id="15" name="直接连接符 14">
+            <a:extLst>
+              <a:ext uri="{FF2B5EF4-FFF2-40B4-BE49-F238E27FC236}">
+                <a16:creationId xmlns:a16="http://schemas.microsoft.com/office/drawing/2014/main" id="{09EFF159-9886-422A-890E-B74537221D0C}"/>
+              </a:ext>
+            </a:extLst>
+          </p:cNvPr>
+          <p:cNvCxnSpPr>
+            <a:cxnSpLocks/>
+          </p:cNvCxnSpPr>
+          <p:nvPr/>
+        </p:nvCxnSpPr>
+        <p:spPr>
+          <a:xfrm>
+            <a:off x="6372225" y="2343150"/>
+            <a:ext cx="571500" cy="0"/>
+          </a:xfrm>
+          <a:prstGeom prst="line">
+            <a:avLst/>
+          </a:prstGeom>
+          <a:ln w="31750">
+            <a:solidFill>
+              <a:srgbClr val="FF0000"/>
+            </a:solidFill>
+          </a:ln>
+        </p:spPr>
+        <p:style>
+          <a:lnRef idx="1">
+            <a:schemeClr val="accent1"/>
+          </a:lnRef>
+          <a:fillRef idx="0">
+            <a:schemeClr val="accent1"/>
+          </a:fillRef>
+          <a:effectRef idx="0">
+            <a:schemeClr val="accent1"/>
+          </a:effectRef>
+          <a:fontRef idx="minor">
+            <a:schemeClr val="tx1"/>
+          </a:fontRef>
+        </p:style>
+      </p:cxnSp>
+      <p:cxnSp>
+        <p:nvCxnSpPr>
+          <p:cNvPr id="21" name="直接连接符 20">
+            <a:extLst>
+              <a:ext uri="{FF2B5EF4-FFF2-40B4-BE49-F238E27FC236}">
+                <a16:creationId xmlns:a16="http://schemas.microsoft.com/office/drawing/2014/main" id="{46BD23E5-FACC-41D8-80CC-B749029FF731}"/>
+              </a:ext>
+            </a:extLst>
+          </p:cNvPr>
+          <p:cNvCxnSpPr>
+            <a:cxnSpLocks/>
+          </p:cNvCxnSpPr>
+          <p:nvPr/>
+        </p:nvCxnSpPr>
+        <p:spPr>
+          <a:xfrm>
+            <a:off x="6372225" y="2597907"/>
+            <a:ext cx="904873" cy="0"/>
+          </a:xfrm>
+          <a:prstGeom prst="line">
+            <a:avLst/>
+          </a:prstGeom>
+          <a:ln w="31750">
+            <a:solidFill>
+              <a:schemeClr val="tx1"/>
+            </a:solidFill>
+          </a:ln>
+        </p:spPr>
+        <p:style>
+          <a:lnRef idx="1">
+            <a:schemeClr val="accent1"/>
+          </a:lnRef>
+          <a:fillRef idx="0">
+            <a:schemeClr val="accent1"/>
+          </a:fillRef>
+          <a:effectRef idx="0">
+            <a:schemeClr val="accent1"/>
+          </a:effectRef>
+          <a:fontRef idx="minor">
+            <a:schemeClr val="tx1"/>
+          </a:fontRef>
+        </p:style>
+      </p:cxnSp>
+      <p:cxnSp>
+        <p:nvCxnSpPr>
+          <p:cNvPr id="25" name="直接连接符 24">
+            <a:extLst>
+              <a:ext uri="{FF2B5EF4-FFF2-40B4-BE49-F238E27FC236}">
+                <a16:creationId xmlns:a16="http://schemas.microsoft.com/office/drawing/2014/main" id="{2B89E78D-CD92-478E-A750-5A95C6BD64F8}"/>
+              </a:ext>
+            </a:extLst>
+          </p:cNvPr>
+          <p:cNvCxnSpPr/>
+          <p:nvPr/>
+        </p:nvCxnSpPr>
+        <p:spPr>
+          <a:xfrm flipV="1">
+            <a:off x="6943725" y="2190750"/>
+            <a:ext cx="0" cy="152400"/>
+          </a:xfrm>
+          <a:prstGeom prst="line">
+            <a:avLst/>
+          </a:prstGeom>
+          <a:ln w="31750">
+            <a:solidFill>
+              <a:srgbClr val="FF0000"/>
+            </a:solidFill>
+          </a:ln>
+        </p:spPr>
+        <p:style>
+          <a:lnRef idx="1">
+            <a:schemeClr val="accent1"/>
+          </a:lnRef>
+          <a:fillRef idx="0">
+            <a:schemeClr val="accent1"/>
+          </a:fillRef>
+          <a:effectRef idx="0">
+            <a:schemeClr val="accent1"/>
+          </a:effectRef>
+          <a:fontRef idx="minor">
+            <a:schemeClr val="tx1"/>
+          </a:fontRef>
+        </p:style>
+      </p:cxnSp>
+      <p:cxnSp>
+        <p:nvCxnSpPr>
+          <p:cNvPr id="27" name="直接连接符 26">
+            <a:extLst>
+              <a:ext uri="{FF2B5EF4-FFF2-40B4-BE49-F238E27FC236}">
+                <a16:creationId xmlns:a16="http://schemas.microsoft.com/office/drawing/2014/main" id="{45FFEBD6-FE8C-425E-9F26-1CCE52A0AF78}"/>
+              </a:ext>
+            </a:extLst>
+          </p:cNvPr>
+          <p:cNvCxnSpPr/>
+          <p:nvPr/>
+        </p:nvCxnSpPr>
+        <p:spPr>
+          <a:xfrm>
+            <a:off x="6943725" y="2190750"/>
+            <a:ext cx="333373" cy="0"/>
+          </a:xfrm>
+          <a:prstGeom prst="line">
+            <a:avLst/>
+          </a:prstGeom>
+          <a:ln w="31750">
+            <a:solidFill>
+              <a:srgbClr val="FF0000"/>
+            </a:solidFill>
+          </a:ln>
+        </p:spPr>
+        <p:style>
+          <a:lnRef idx="1">
+            <a:schemeClr val="accent1"/>
+          </a:lnRef>
+          <a:fillRef idx="0">
+            <a:schemeClr val="accent1"/>
+          </a:fillRef>
+          <a:effectRef idx="0">
+            <a:schemeClr val="accent1"/>
+          </a:effectRef>
+          <a:fontRef idx="minor">
+            <a:schemeClr val="tx1"/>
+          </a:fontRef>
+        </p:style>
+      </p:cxnSp>
+      <p:pic>
+        <p:nvPicPr>
+          <p:cNvPr id="30" name="图片 29">
+            <a:extLst>
+              <a:ext uri="{FF2B5EF4-FFF2-40B4-BE49-F238E27FC236}">
+                <a16:creationId xmlns:a16="http://schemas.microsoft.com/office/drawing/2014/main" id="{4EB0ECDE-D778-4699-8BB3-B460B506E762}"/>
+              </a:ext>
+            </a:extLst>
+          </p:cNvPr>
+          <p:cNvPicPr>
+            <a:picLocks noChangeAspect="1"/>
+          </p:cNvPicPr>
+          <p:nvPr/>
+        </p:nvPicPr>
+        <p:blipFill>
+          <a:blip r:embed="rId4">
+            <a:extLst>
+              <a:ext uri="{28A0092B-C50C-407E-A947-70E740481C1C}">
+                <a14:useLocalDpi xmlns:a14="http://schemas.microsoft.com/office/drawing/2010/main" val="0"/>
+              </a:ext>
+            </a:extLst>
+          </a:blip>
+          <a:stretch>
+            <a:fillRect/>
+          </a:stretch>
+        </p:blipFill>
+        <p:spPr>
+          <a:xfrm rot="10800000">
+            <a:off x="7277098" y="3955257"/>
+            <a:ext cx="1681890" cy="740532"/>
+          </a:xfrm>
+          <a:prstGeom prst="rect">
+            <a:avLst/>
+          </a:prstGeom>
+        </p:spPr>
+      </p:pic>
+      <p:cxnSp>
+        <p:nvCxnSpPr>
+          <p:cNvPr id="31" name="直接连接符 30">
+            <a:extLst>
+              <a:ext uri="{FF2B5EF4-FFF2-40B4-BE49-F238E27FC236}">
+                <a16:creationId xmlns:a16="http://schemas.microsoft.com/office/drawing/2014/main" id="{806AB856-D04B-45C2-8281-D56F8E10190D}"/>
+              </a:ext>
+            </a:extLst>
+          </p:cNvPr>
+          <p:cNvCxnSpPr>
+            <a:cxnSpLocks/>
+          </p:cNvCxnSpPr>
+          <p:nvPr/>
+        </p:nvCxnSpPr>
+        <p:spPr>
+          <a:xfrm>
+            <a:off x="6372225" y="4277898"/>
+            <a:ext cx="571500" cy="0"/>
+          </a:xfrm>
+          <a:prstGeom prst="line">
+            <a:avLst/>
+          </a:prstGeom>
+          <a:ln w="31750">
+            <a:solidFill>
+              <a:srgbClr val="FF0000"/>
+            </a:solidFill>
+          </a:ln>
+        </p:spPr>
+        <p:style>
+          <a:lnRef idx="1">
+            <a:schemeClr val="accent1"/>
+          </a:lnRef>
+          <a:fillRef idx="0">
+            <a:schemeClr val="accent1"/>
+          </a:fillRef>
+          <a:effectRef idx="0">
+            <a:schemeClr val="accent1"/>
+          </a:effectRef>
+          <a:fontRef idx="minor">
+            <a:schemeClr val="tx1"/>
+          </a:fontRef>
+        </p:style>
+      </p:cxnSp>
+      <p:cxnSp>
+        <p:nvCxnSpPr>
+          <p:cNvPr id="32" name="直接连接符 31">
+            <a:extLst>
+              <a:ext uri="{FF2B5EF4-FFF2-40B4-BE49-F238E27FC236}">
+                <a16:creationId xmlns:a16="http://schemas.microsoft.com/office/drawing/2014/main" id="{41392C14-C45F-4890-8AA3-A4569B43A391}"/>
+              </a:ext>
+            </a:extLst>
+          </p:cNvPr>
+          <p:cNvCxnSpPr>
+            <a:cxnSpLocks/>
+          </p:cNvCxnSpPr>
+          <p:nvPr/>
+        </p:nvCxnSpPr>
+        <p:spPr>
+          <a:xfrm>
+            <a:off x="6372225" y="4532655"/>
+            <a:ext cx="904873" cy="0"/>
+          </a:xfrm>
+          <a:prstGeom prst="line">
+            <a:avLst/>
+          </a:prstGeom>
+          <a:ln w="31750">
+            <a:solidFill>
+              <a:schemeClr val="tx1"/>
+            </a:solidFill>
+          </a:ln>
+        </p:spPr>
+        <p:style>
+          <a:lnRef idx="1">
+            <a:schemeClr val="accent1"/>
+          </a:lnRef>
+          <a:fillRef idx="0">
+            <a:schemeClr val="accent1"/>
+          </a:fillRef>
+          <a:effectRef idx="0">
+            <a:schemeClr val="accent1"/>
+          </a:effectRef>
+          <a:fontRef idx="minor">
+            <a:schemeClr val="tx1"/>
+          </a:fontRef>
+        </p:style>
+      </p:cxnSp>
+      <p:cxnSp>
+        <p:nvCxnSpPr>
+          <p:cNvPr id="33" name="直接连接符 32">
+            <a:extLst>
+              <a:ext uri="{FF2B5EF4-FFF2-40B4-BE49-F238E27FC236}">
+                <a16:creationId xmlns:a16="http://schemas.microsoft.com/office/drawing/2014/main" id="{1784BED3-519B-42ED-90ED-3F5BB07F86DC}"/>
+              </a:ext>
+            </a:extLst>
+          </p:cNvPr>
+          <p:cNvCxnSpPr/>
+          <p:nvPr/>
+        </p:nvCxnSpPr>
+        <p:spPr>
+          <a:xfrm flipV="1">
+            <a:off x="6943725" y="4125498"/>
+            <a:ext cx="0" cy="152400"/>
+          </a:xfrm>
+          <a:prstGeom prst="line">
+            <a:avLst/>
+          </a:prstGeom>
+          <a:ln w="31750">
+            <a:solidFill>
+              <a:srgbClr val="FF0000"/>
+            </a:solidFill>
+          </a:ln>
+        </p:spPr>
+        <p:style>
+          <a:lnRef idx="1">
+            <a:schemeClr val="accent1"/>
+          </a:lnRef>
+          <a:fillRef idx="0">
+            <a:schemeClr val="accent1"/>
+          </a:fillRef>
+          <a:effectRef idx="0">
+            <a:schemeClr val="accent1"/>
+          </a:effectRef>
+          <a:fontRef idx="minor">
+            <a:schemeClr val="tx1"/>
+          </a:fontRef>
+        </p:style>
+      </p:cxnSp>
+      <p:cxnSp>
+        <p:nvCxnSpPr>
+          <p:cNvPr id="34" name="直接连接符 33">
+            <a:extLst>
+              <a:ext uri="{FF2B5EF4-FFF2-40B4-BE49-F238E27FC236}">
+                <a16:creationId xmlns:a16="http://schemas.microsoft.com/office/drawing/2014/main" id="{108ABD40-46AC-43C6-AE01-9FF14CA9A3C9}"/>
+              </a:ext>
+            </a:extLst>
+          </p:cNvPr>
+          <p:cNvCxnSpPr/>
+          <p:nvPr/>
+        </p:nvCxnSpPr>
+        <p:spPr>
+          <a:xfrm>
+            <a:off x="6943725" y="4125498"/>
+            <a:ext cx="333373" cy="0"/>
+          </a:xfrm>
+          <a:prstGeom prst="line">
+            <a:avLst/>
+          </a:prstGeom>
+          <a:ln w="31750">
+            <a:solidFill>
+              <a:srgbClr val="FF0000"/>
+            </a:solidFill>
+          </a:ln>
+        </p:spPr>
+        <p:style>
+          <a:lnRef idx="1">
+            <a:schemeClr val="accent1"/>
+          </a:lnRef>
+          <a:fillRef idx="0">
+            <a:schemeClr val="accent1"/>
+          </a:fillRef>
+          <a:effectRef idx="0">
+            <a:schemeClr val="accent1"/>
+          </a:effectRef>
+          <a:fontRef idx="minor">
+            <a:schemeClr val="tx1"/>
+          </a:fontRef>
+        </p:style>
+      </p:cxnSp>
+      <p:pic>
+        <p:nvPicPr>
+          <p:cNvPr id="36" name="图片 35">
+            <a:extLst>
+              <a:ext uri="{FF2B5EF4-FFF2-40B4-BE49-F238E27FC236}">
+                <a16:creationId xmlns:a16="http://schemas.microsoft.com/office/drawing/2014/main" id="{DC62773A-1BE9-43BC-B3FB-3CC5E06273BB}"/>
+              </a:ext>
+            </a:extLst>
+          </p:cNvPr>
+          <p:cNvPicPr>
+            <a:picLocks noChangeAspect="1"/>
+          </p:cNvPicPr>
+          <p:nvPr/>
+        </p:nvPicPr>
+        <p:blipFill>
+          <a:blip r:embed="rId5">
+            <a:extLst>
+              <a:ext uri="{28A0092B-C50C-407E-A947-70E740481C1C}">
+                <a14:useLocalDpi xmlns:a14="http://schemas.microsoft.com/office/drawing/2010/main" val="0"/>
+              </a:ext>
+            </a:extLst>
+          </a:blip>
+          <a:stretch>
+            <a:fillRect/>
+          </a:stretch>
+        </p:blipFill>
+        <p:spPr>
+          <a:xfrm rot="10800000">
+            <a:off x="3151166" y="804817"/>
+            <a:ext cx="1098154" cy="1098154"/>
+          </a:xfrm>
+          <a:prstGeom prst="rect">
+            <a:avLst/>
+          </a:prstGeom>
+        </p:spPr>
+      </p:pic>
+      <p:cxnSp>
+        <p:nvCxnSpPr>
+          <p:cNvPr id="38" name="直接连接符 37">
+            <a:extLst>
+              <a:ext uri="{FF2B5EF4-FFF2-40B4-BE49-F238E27FC236}">
+                <a16:creationId xmlns:a16="http://schemas.microsoft.com/office/drawing/2014/main" id="{071C7FA3-8D6D-4129-BC8A-8FA19F181EEF}"/>
+              </a:ext>
+            </a:extLst>
+          </p:cNvPr>
+          <p:cNvCxnSpPr/>
+          <p:nvPr/>
+        </p:nvCxnSpPr>
+        <p:spPr>
+          <a:xfrm>
+            <a:off x="3857625" y="1619250"/>
+            <a:ext cx="0" cy="619125"/>
+          </a:xfrm>
+          <a:prstGeom prst="line">
+            <a:avLst/>
+          </a:prstGeom>
+          <a:ln w="31750">
+            <a:solidFill>
+              <a:srgbClr val="FF0000"/>
+            </a:solidFill>
+          </a:ln>
+        </p:spPr>
+        <p:style>
+          <a:lnRef idx="1">
+            <a:schemeClr val="accent1"/>
+          </a:lnRef>
+          <a:fillRef idx="0">
+            <a:schemeClr val="accent1"/>
+          </a:fillRef>
+          <a:effectRef idx="0">
+            <a:schemeClr val="accent1"/>
+          </a:effectRef>
+          <a:fontRef idx="minor">
+            <a:schemeClr val="tx1"/>
+          </a:fontRef>
+        </p:style>
+      </p:cxnSp>
+      <p:cxnSp>
+        <p:nvCxnSpPr>
+          <p:cNvPr id="39" name="直接连接符 38">
+            <a:extLst>
+              <a:ext uri="{FF2B5EF4-FFF2-40B4-BE49-F238E27FC236}">
+                <a16:creationId xmlns:a16="http://schemas.microsoft.com/office/drawing/2014/main" id="{3F1A0A1A-256B-441E-978F-4560A0B7478B}"/>
+              </a:ext>
+            </a:extLst>
+          </p:cNvPr>
+          <p:cNvCxnSpPr/>
+          <p:nvPr/>
+        </p:nvCxnSpPr>
+        <p:spPr>
+          <a:xfrm>
+            <a:off x="3533775" y="1619250"/>
+            <a:ext cx="0" cy="619125"/>
+          </a:xfrm>
+          <a:prstGeom prst="line">
+            <a:avLst/>
+          </a:prstGeom>
+          <a:ln w="31750">
+            <a:solidFill>
+              <a:schemeClr val="tx1"/>
+            </a:solidFill>
+          </a:ln>
+        </p:spPr>
+        <p:style>
+          <a:lnRef idx="1">
+            <a:schemeClr val="accent1"/>
+          </a:lnRef>
+          <a:fillRef idx="0">
+            <a:schemeClr val="accent1"/>
+          </a:fillRef>
+          <a:effectRef idx="0">
+            <a:schemeClr val="accent1"/>
+          </a:effectRef>
+          <a:fontRef idx="minor">
+            <a:schemeClr val="tx1"/>
+          </a:fontRef>
+        </p:style>
+      </p:cxnSp>
+    </p:spTree>
+    <p:extLst>
+      <p:ext uri="{BB962C8B-B14F-4D97-AF65-F5344CB8AC3E}">
+        <p14:creationId xmlns:p14="http://schemas.microsoft.com/office/powerpoint/2010/main" val="3858757442"/>
+      </p:ext>
+    </p:extLst>
+  </p:cSld>
+  <p:clrMapOvr>
+    <a:masterClrMapping/>
+  </p:clrMapOvr>
+</p:sld>
+</file>
+
+<file path=ppt/slides/slide4.xml><?xml version="1.0" encoding="utf-8"?>
+<p:sld xmlns:a="http://schemas.openxmlformats.org/drawingml/2006/main" xmlns:r="http://schemas.openxmlformats.org/officeDocument/2006/relationships" xmlns:p="http://schemas.openxmlformats.org/presentationml/2006/main">
+  <p:cSld>
+    <p:spTree>
+      <p:nvGrpSpPr>
+        <p:cNvPr id="1" name=""/>
+        <p:cNvGrpSpPr/>
+        <p:nvPr/>
+      </p:nvGrpSpPr>
+      <p:grpSpPr>
+        <a:xfrm>
+          <a:off x="0" y="0"/>
+          <a:ext cx="0" cy="0"/>
+          <a:chOff x="0" y="0"/>
+          <a:chExt cx="0" cy="0"/>
+        </a:xfrm>
+      </p:grpSpPr>
+      <p:pic>
+        <p:nvPicPr>
+          <p:cNvPr id="4" name="图片 3">
+            <a:extLst>
+              <a:ext uri="{FF2B5EF4-FFF2-40B4-BE49-F238E27FC236}">
+                <a16:creationId xmlns:a16="http://schemas.microsoft.com/office/drawing/2014/main" id="{70E54FC7-0B4D-4410-9ED9-8E06363246E0}"/>
+              </a:ext>
+            </a:extLst>
+          </p:cNvPr>
+          <p:cNvPicPr>
+            <a:picLocks noChangeAspect="1"/>
+          </p:cNvPicPr>
+          <p:nvPr/>
+        </p:nvPicPr>
+        <p:blipFill>
+          <a:blip r:embed="rId2">
+            <a:extLst>
+              <a:ext uri="{28A0092B-C50C-407E-A947-70E740481C1C}">
+                <a14:useLocalDpi xmlns:a14="http://schemas.microsoft.com/office/drawing/2010/main" val="0"/>
+              </a:ext>
+            </a:extLst>
+          </a:blip>
+          <a:stretch>
+            <a:fillRect/>
+          </a:stretch>
+        </p:blipFill>
+        <p:spPr>
+          <a:xfrm>
+            <a:off x="685799" y="607218"/>
+            <a:ext cx="7524751" cy="5643564"/>
+          </a:xfrm>
+          <a:prstGeom prst="rect">
+            <a:avLst/>
+          </a:prstGeom>
+        </p:spPr>
+      </p:pic>
+      <p:pic>
+        <p:nvPicPr>
+          <p:cNvPr id="6" name="图片 5">
+            <a:extLst>
+              <a:ext uri="{FF2B5EF4-FFF2-40B4-BE49-F238E27FC236}">
+                <a16:creationId xmlns:a16="http://schemas.microsoft.com/office/drawing/2014/main" id="{689BDC85-FD4C-476F-8F17-869C3D21DE63}"/>
+              </a:ext>
+            </a:extLst>
+          </p:cNvPr>
+          <p:cNvPicPr>
+            <a:picLocks noChangeAspect="1"/>
+          </p:cNvPicPr>
+          <p:nvPr/>
+        </p:nvPicPr>
+        <p:blipFill>
+          <a:blip r:embed="rId3">
+            <a:extLst>
+              <a:ext uri="{28A0092B-C50C-407E-A947-70E740481C1C}">
+                <a14:useLocalDpi xmlns:a14="http://schemas.microsoft.com/office/drawing/2010/main" val="0"/>
+              </a:ext>
+            </a:extLst>
+          </a:blip>
+          <a:stretch>
+            <a:fillRect/>
+          </a:stretch>
+        </p:blipFill>
+        <p:spPr>
+          <a:xfrm>
+            <a:off x="7418367" y="2754813"/>
+            <a:ext cx="1348374" cy="1348374"/>
+          </a:xfrm>
+          <a:prstGeom prst="rect">
+            <a:avLst/>
+          </a:prstGeom>
+        </p:spPr>
+      </p:pic>
+      <p:pic>
+        <p:nvPicPr>
+          <p:cNvPr id="36" name="图片 35">
+            <a:extLst>
+              <a:ext uri="{FF2B5EF4-FFF2-40B4-BE49-F238E27FC236}">
+                <a16:creationId xmlns:a16="http://schemas.microsoft.com/office/drawing/2014/main" id="{DC62773A-1BE9-43BC-B3FB-3CC5E06273BB}"/>
+              </a:ext>
+            </a:extLst>
+          </p:cNvPr>
+          <p:cNvPicPr>
+            <a:picLocks noChangeAspect="1"/>
+          </p:cNvPicPr>
+          <p:nvPr/>
+        </p:nvPicPr>
+        <p:blipFill>
+          <a:blip r:embed="rId4">
+            <a:extLst>
+              <a:ext uri="{28A0092B-C50C-407E-A947-70E740481C1C}">
+                <a14:useLocalDpi xmlns:a14="http://schemas.microsoft.com/office/drawing/2010/main" val="0"/>
+              </a:ext>
+            </a:extLst>
+          </a:blip>
+          <a:stretch>
+            <a:fillRect/>
+          </a:stretch>
+        </p:blipFill>
+        <p:spPr>
+          <a:xfrm rot="10800000">
+            <a:off x="3151166" y="804817"/>
+            <a:ext cx="1098154" cy="1098154"/>
+          </a:xfrm>
+          <a:prstGeom prst="rect">
+            <a:avLst/>
+          </a:prstGeom>
+        </p:spPr>
+      </p:pic>
+      <p:cxnSp>
+        <p:nvCxnSpPr>
+          <p:cNvPr id="38" name="直接连接符 37">
+            <a:extLst>
+              <a:ext uri="{FF2B5EF4-FFF2-40B4-BE49-F238E27FC236}">
+                <a16:creationId xmlns:a16="http://schemas.microsoft.com/office/drawing/2014/main" id="{071C7FA3-8D6D-4129-BC8A-8FA19F181EEF}"/>
+              </a:ext>
+            </a:extLst>
+          </p:cNvPr>
+          <p:cNvCxnSpPr/>
+          <p:nvPr/>
+        </p:nvCxnSpPr>
+        <p:spPr>
+          <a:xfrm>
+            <a:off x="3857625" y="1619250"/>
+            <a:ext cx="0" cy="619125"/>
+          </a:xfrm>
+          <a:prstGeom prst="line">
+            <a:avLst/>
+          </a:prstGeom>
+          <a:ln w="31750">
+            <a:solidFill>
+              <a:srgbClr val="FF0000"/>
+            </a:solidFill>
+          </a:ln>
+        </p:spPr>
+        <p:style>
+          <a:lnRef idx="1">
+            <a:schemeClr val="accent1"/>
+          </a:lnRef>
+          <a:fillRef idx="0">
+            <a:schemeClr val="accent1"/>
+          </a:fillRef>
+          <a:effectRef idx="0">
+            <a:schemeClr val="accent1"/>
+          </a:effectRef>
+          <a:fontRef idx="minor">
+            <a:schemeClr val="tx1"/>
+          </a:fontRef>
+        </p:style>
+      </p:cxnSp>
+      <p:cxnSp>
+        <p:nvCxnSpPr>
+          <p:cNvPr id="39" name="直接连接符 38">
+            <a:extLst>
+              <a:ext uri="{FF2B5EF4-FFF2-40B4-BE49-F238E27FC236}">
+                <a16:creationId xmlns:a16="http://schemas.microsoft.com/office/drawing/2014/main" id="{3F1A0A1A-256B-441E-978F-4560A0B7478B}"/>
+              </a:ext>
+            </a:extLst>
+          </p:cNvPr>
+          <p:cNvCxnSpPr/>
+          <p:nvPr/>
+        </p:nvCxnSpPr>
+        <p:spPr>
+          <a:xfrm>
+            <a:off x="3533775" y="1619250"/>
+            <a:ext cx="0" cy="619125"/>
+          </a:xfrm>
+          <a:prstGeom prst="line">
+            <a:avLst/>
+          </a:prstGeom>
+          <a:ln w="31750">
+            <a:solidFill>
+              <a:schemeClr val="tx1"/>
+            </a:solidFill>
+          </a:ln>
+        </p:spPr>
+        <p:style>
+          <a:lnRef idx="1">
+            <a:schemeClr val="accent1"/>
+          </a:lnRef>
+          <a:fillRef idx="0">
+            <a:schemeClr val="accent1"/>
+          </a:fillRef>
+          <a:effectRef idx="0">
+            <a:schemeClr val="accent1"/>
+          </a:effectRef>
+          <a:fontRef idx="minor">
+            <a:schemeClr val="tx1"/>
+          </a:fontRef>
+        </p:style>
+      </p:cxnSp>
+    </p:spTree>
+    <p:extLst>
+      <p:ext uri="{BB962C8B-B14F-4D97-AF65-F5344CB8AC3E}">
+        <p14:creationId xmlns:p14="http://schemas.microsoft.com/office/powerpoint/2010/main" val="914934034"/>
+      </p:ext>
+    </p:extLst>
+  </p:cSld>
+  <p:clrMapOvr>
+    <a:masterClrMapping/>
+  </p:clrMapOvr>
+</p:sld>
+</file>
+
+<file path=ppt/slides/slide5.xml><?xml version="1.0" encoding="utf-8"?>
+<p:sld xmlns:a="http://schemas.openxmlformats.org/drawingml/2006/main" xmlns:r="http://schemas.openxmlformats.org/officeDocument/2006/relationships" xmlns:p="http://schemas.openxmlformats.org/presentationml/2006/main">
+  <p:cSld>
+    <p:spTree>
+      <p:nvGrpSpPr>
+        <p:cNvPr id="1" name=""/>
+        <p:cNvGrpSpPr/>
+        <p:nvPr/>
+      </p:nvGrpSpPr>
+      <p:grpSpPr>
+        <a:xfrm>
+          <a:off x="0" y="0"/>
+          <a:ext cx="0" cy="0"/>
+          <a:chOff x="0" y="0"/>
+          <a:chExt cx="0" cy="0"/>
+        </a:xfrm>
+      </p:grpSpPr>
+      <p:pic>
+        <p:nvPicPr>
+          <p:cNvPr id="3" name="图片 2">
+            <a:extLst>
+              <a:ext uri="{FF2B5EF4-FFF2-40B4-BE49-F238E27FC236}">
+                <a16:creationId xmlns:a16="http://schemas.microsoft.com/office/drawing/2014/main" id="{2E7F3BA1-6603-4489-8C6A-4CC30EB655EF}"/>
+              </a:ext>
+            </a:extLst>
+          </p:cNvPr>
+          <p:cNvPicPr>
+            <a:picLocks noChangeAspect="1"/>
+          </p:cNvPicPr>
+          <p:nvPr/>
+        </p:nvPicPr>
+        <p:blipFill>
+          <a:blip r:embed="rId2">
+            <a:extLst>
+              <a:ext uri="{28A0092B-C50C-407E-A947-70E740481C1C}">
+                <a14:useLocalDpi xmlns:a14="http://schemas.microsoft.com/office/drawing/2010/main" val="0"/>
+              </a:ext>
+            </a:extLst>
+          </a:blip>
+          <a:stretch>
+            <a:fillRect/>
+          </a:stretch>
+        </p:blipFill>
+        <p:spPr>
+          <a:xfrm>
+            <a:off x="2354197" y="1464883"/>
+            <a:ext cx="7178650" cy="2909316"/>
+          </a:xfrm>
+          <a:prstGeom prst="rect">
+            <a:avLst/>
+          </a:prstGeom>
+        </p:spPr>
+      </p:pic>
+      <p:sp>
+        <p:nvSpPr>
+          <p:cNvPr id="5" name="矩形 4">
+            <a:extLst>
+              <a:ext uri="{FF2B5EF4-FFF2-40B4-BE49-F238E27FC236}">
+                <a16:creationId xmlns:a16="http://schemas.microsoft.com/office/drawing/2014/main" id="{109CA6C1-48B2-4446-901D-F2F24A410A2B}"/>
+              </a:ext>
+            </a:extLst>
+          </p:cNvPr>
+          <p:cNvSpPr/>
+          <p:nvPr/>
+        </p:nvSpPr>
+        <p:spPr>
+          <a:xfrm>
+            <a:off x="4943476" y="2838450"/>
+            <a:ext cx="2038350" cy="1535749"/>
+          </a:xfrm>
+          <a:prstGeom prst="rect">
+            <a:avLst/>
+          </a:prstGeom>
+          <a:noFill/>
+          <a:ln w="38100" cap="flat" cmpd="sng" algn="ctr">
+            <a:solidFill>
+              <a:schemeClr val="accent4"/>
+            </a:solidFill>
+            <a:prstDash val="solid"/>
+            <a:round/>
+            <a:headEnd type="none" w="med" len="med"/>
+            <a:tailEnd type="none" w="med" len="med"/>
+          </a:ln>
+        </p:spPr>
+        <p:style>
+          <a:lnRef idx="0">
+            <a:scrgbClr r="0" g="0" b="0"/>
+          </a:lnRef>
+          <a:fillRef idx="0">
+            <a:scrgbClr r="0" g="0" b="0"/>
+          </a:fillRef>
+          <a:effectRef idx="0">
+            <a:scrgbClr r="0" g="0" b="0"/>
+          </a:effectRef>
+          <a:fontRef idx="minor">
+            <a:schemeClr val="dk1"/>
+          </a:fontRef>
+        </p:style>
+        <p:txBody>
+          <a:bodyPr rtlCol="0" anchor="ctr"/>
+          <a:lstStyle/>
+          <a:p>
+            <a:pPr algn="ctr"/>
+            <a:endParaRPr lang="en-US"/>
+          </a:p>
+        </p:txBody>
+      </p:sp>
+      <p:sp>
+        <p:nvSpPr>
+          <p:cNvPr id="6" name="文本框 5">
+            <a:extLst>
+              <a:ext uri="{FF2B5EF4-FFF2-40B4-BE49-F238E27FC236}">
+                <a16:creationId xmlns:a16="http://schemas.microsoft.com/office/drawing/2014/main" id="{82FCDA08-E3DA-4554-90EB-92AE787F02DD}"/>
+              </a:ext>
+            </a:extLst>
+          </p:cNvPr>
+          <p:cNvSpPr txBox="1"/>
+          <p:nvPr/>
+        </p:nvSpPr>
+        <p:spPr>
+          <a:xfrm>
+            <a:off x="5019675" y="4035645"/>
+            <a:ext cx="580608" cy="338554"/>
+          </a:xfrm>
+          <a:prstGeom prst="rect">
+            <a:avLst/>
+          </a:prstGeom>
+          <a:noFill/>
+        </p:spPr>
+        <p:txBody>
+          <a:bodyPr wrap="none" rtlCol="0">
+            <a:spAutoFit/>
+          </a:bodyPr>
+          <a:lstStyle/>
+          <a:p>
+            <a:r>
+              <a:rPr lang="en-US" sz="1600" b="1"/>
+              <a:t>GND</a:t>
+            </a:r>
+          </a:p>
+        </p:txBody>
+      </p:sp>
+      <p:sp>
+        <p:nvSpPr>
+          <p:cNvPr id="7" name="文本框 6">
+            <a:extLst>
+              <a:ext uri="{FF2B5EF4-FFF2-40B4-BE49-F238E27FC236}">
+                <a16:creationId xmlns:a16="http://schemas.microsoft.com/office/drawing/2014/main" id="{4BBACC6C-8992-4F47-9472-4DE2FC79394C}"/>
+              </a:ext>
+            </a:extLst>
+          </p:cNvPr>
+          <p:cNvSpPr txBox="1"/>
+          <p:nvPr/>
+        </p:nvSpPr>
+        <p:spPr>
+          <a:xfrm>
+            <a:off x="5483927" y="4035645"/>
+            <a:ext cx="521168" cy="338554"/>
+          </a:xfrm>
+          <a:prstGeom prst="rect">
+            <a:avLst/>
+          </a:prstGeom>
+          <a:noFill/>
+        </p:spPr>
+        <p:txBody>
+          <a:bodyPr wrap="none" rtlCol="0">
+            <a:spAutoFit/>
+          </a:bodyPr>
+          <a:lstStyle/>
+          <a:p>
+            <a:r>
+              <a:rPr lang="en-US" sz="1600" b="1"/>
+              <a:t>VCC</a:t>
+            </a:r>
+          </a:p>
+        </p:txBody>
+      </p:sp>
+      <p:sp>
+        <p:nvSpPr>
+          <p:cNvPr id="8" name="文本框 7">
+            <a:extLst>
+              <a:ext uri="{FF2B5EF4-FFF2-40B4-BE49-F238E27FC236}">
+                <a16:creationId xmlns:a16="http://schemas.microsoft.com/office/drawing/2014/main" id="{18947B37-3E63-4E21-A550-F11316D55F0E}"/>
+              </a:ext>
+            </a:extLst>
+          </p:cNvPr>
+          <p:cNvSpPr txBox="1"/>
+          <p:nvPr/>
+        </p:nvSpPr>
+        <p:spPr>
+          <a:xfrm>
+            <a:off x="5888985" y="4035645"/>
+            <a:ext cx="532518" cy="338554"/>
+          </a:xfrm>
+          <a:prstGeom prst="rect">
+            <a:avLst/>
+          </a:prstGeom>
+          <a:noFill/>
+        </p:spPr>
+        <p:txBody>
+          <a:bodyPr wrap="none" rtlCol="0">
+            <a:spAutoFit/>
+          </a:bodyPr>
+          <a:lstStyle/>
+          <a:p>
+            <a:r>
+              <a:rPr lang="en-US" sz="1600" b="1"/>
+              <a:t>SDA</a:t>
+            </a:r>
+          </a:p>
+        </p:txBody>
+      </p:sp>
+      <p:sp>
+        <p:nvSpPr>
+          <p:cNvPr id="9" name="文本框 8">
+            <a:extLst>
+              <a:ext uri="{FF2B5EF4-FFF2-40B4-BE49-F238E27FC236}">
+                <a16:creationId xmlns:a16="http://schemas.microsoft.com/office/drawing/2014/main" id="{FD1D5A62-838F-4D82-AA83-95B60662E7E4}"/>
+              </a:ext>
+            </a:extLst>
+          </p:cNvPr>
+          <p:cNvSpPr txBox="1"/>
+          <p:nvPr/>
+        </p:nvSpPr>
+        <p:spPr>
+          <a:xfrm>
+            <a:off x="6293797" y="4035645"/>
+            <a:ext cx="478016" cy="338554"/>
+          </a:xfrm>
+          <a:prstGeom prst="rect">
+            <a:avLst/>
+          </a:prstGeom>
+          <a:noFill/>
+        </p:spPr>
+        <p:txBody>
+          <a:bodyPr wrap="none" rtlCol="0">
+            <a:spAutoFit/>
+          </a:bodyPr>
+          <a:lstStyle/>
+          <a:p>
+            <a:r>
+              <a:rPr lang="en-US" sz="1600" b="1"/>
+              <a:t>SCL</a:t>
+            </a:r>
+          </a:p>
+        </p:txBody>
+      </p:sp>
+    </p:spTree>
+    <p:extLst>
+      <p:ext uri="{BB962C8B-B14F-4D97-AF65-F5344CB8AC3E}">
+        <p14:creationId xmlns:p14="http://schemas.microsoft.com/office/powerpoint/2010/main" val="3656280142"/>
       </p:ext>
     </p:extLst>
   </p:cSld>

--- a/img/pin-out/101020593.pptx
+++ b/img/pin-out/101020593.pptx
@@ -5,14 +5,15 @@
     <p:sldMasterId id="2147483648" r:id="rId1"/>
   </p:sldMasterIdLst>
   <p:notesMasterIdLst>
-    <p:notesMasterId r:id="rId7"/>
+    <p:notesMasterId r:id="rId8"/>
   </p:notesMasterIdLst>
   <p:sldIdLst>
     <p:sldId id="256" r:id="rId2"/>
     <p:sldId id="257" r:id="rId3"/>
     <p:sldId id="258" r:id="rId4"/>
     <p:sldId id="259" r:id="rId5"/>
-    <p:sldId id="260" r:id="rId6"/>
+    <p:sldId id="261" r:id="rId6"/>
+    <p:sldId id="260" r:id="rId7"/>
   </p:sldIdLst>
   <p:sldSz cx="12192000" cy="6858000"/>
   <p:notesSz cx="6858000" cy="9144000"/>
@@ -5220,10 +5221,10 @@
       </p:pic>
       <p:pic>
         <p:nvPicPr>
-          <p:cNvPr id="6" name="图片 5">
-            <a:extLst>
-              <a:ext uri="{FF2B5EF4-FFF2-40B4-BE49-F238E27FC236}">
-                <a16:creationId xmlns:a16="http://schemas.microsoft.com/office/drawing/2014/main" id="{689BDC85-FD4C-476F-8F17-869C3D21DE63}"/>
+          <p:cNvPr id="10" name="图片 9">
+            <a:extLst>
+              <a:ext uri="{FF2B5EF4-FFF2-40B4-BE49-F238E27FC236}">
+                <a16:creationId xmlns:a16="http://schemas.microsoft.com/office/drawing/2014/main" id="{BE43FDD9-0572-4321-AE6C-21F80762EC46}"/>
               </a:ext>
             </a:extLst>
           </p:cNvPr>
@@ -5245,44 +5246,8 @@
           </a:stretch>
         </p:blipFill>
         <p:spPr>
-          <a:xfrm>
-            <a:off x="10675917" y="130630"/>
-            <a:ext cx="1348374" cy="1348374"/>
-          </a:xfrm>
-          <a:prstGeom prst="rect">
-            <a:avLst/>
-          </a:prstGeom>
-        </p:spPr>
-      </p:pic>
-      <p:pic>
-        <p:nvPicPr>
-          <p:cNvPr id="10" name="图片 9">
-            <a:extLst>
-              <a:ext uri="{FF2B5EF4-FFF2-40B4-BE49-F238E27FC236}">
-                <a16:creationId xmlns:a16="http://schemas.microsoft.com/office/drawing/2014/main" id="{BE43FDD9-0572-4321-AE6C-21F80762EC46}"/>
-              </a:ext>
-            </a:extLst>
-          </p:cNvPr>
-          <p:cNvPicPr>
-            <a:picLocks noChangeAspect="1"/>
-          </p:cNvPicPr>
-          <p:nvPr/>
-        </p:nvPicPr>
-        <p:blipFill>
-          <a:blip r:embed="rId4">
-            <a:extLst>
-              <a:ext uri="{28A0092B-C50C-407E-A947-70E740481C1C}">
-                <a14:useLocalDpi xmlns:a14="http://schemas.microsoft.com/office/drawing/2010/main" val="0"/>
-              </a:ext>
-            </a:extLst>
-          </a:blip>
-          <a:stretch>
-            <a:fillRect/>
-          </a:stretch>
-        </p:blipFill>
-        <p:spPr>
           <a:xfrm rot="10800000">
-            <a:off x="7277098" y="2020509"/>
+            <a:off x="7277098" y="2022323"/>
             <a:ext cx="1681890" cy="740532"/>
           </a:xfrm>
           <a:prstGeom prst="rect">
@@ -5385,13 +5350,15 @@
               </a:ext>
             </a:extLst>
           </p:cNvPr>
-          <p:cNvCxnSpPr/>
+          <p:cNvCxnSpPr>
+            <a:cxnSpLocks/>
+          </p:cNvCxnSpPr>
           <p:nvPr/>
         </p:nvCxnSpPr>
         <p:spPr>
           <a:xfrm flipV="1">
-            <a:off x="6943725" y="2190750"/>
-            <a:ext cx="0" cy="152400"/>
+            <a:off x="6943725" y="2178050"/>
+            <a:ext cx="0" cy="177800"/>
           </a:xfrm>
           <a:prstGeom prst="line">
             <a:avLst/>
@@ -5458,42 +5425,6 @@
           </a:fontRef>
         </p:style>
       </p:cxnSp>
-      <p:pic>
-        <p:nvPicPr>
-          <p:cNvPr id="30" name="图片 29">
-            <a:extLst>
-              <a:ext uri="{FF2B5EF4-FFF2-40B4-BE49-F238E27FC236}">
-                <a16:creationId xmlns:a16="http://schemas.microsoft.com/office/drawing/2014/main" id="{4EB0ECDE-D778-4699-8BB3-B460B506E762}"/>
-              </a:ext>
-            </a:extLst>
-          </p:cNvPr>
-          <p:cNvPicPr>
-            <a:picLocks noChangeAspect="1"/>
-          </p:cNvPicPr>
-          <p:nvPr/>
-        </p:nvPicPr>
-        <p:blipFill>
-          <a:blip r:embed="rId4">
-            <a:extLst>
-              <a:ext uri="{28A0092B-C50C-407E-A947-70E740481C1C}">
-                <a14:useLocalDpi xmlns:a14="http://schemas.microsoft.com/office/drawing/2010/main" val="0"/>
-              </a:ext>
-            </a:extLst>
-          </a:blip>
-          <a:stretch>
-            <a:fillRect/>
-          </a:stretch>
-        </p:blipFill>
-        <p:spPr>
-          <a:xfrm rot="10800000">
-            <a:off x="7277098" y="3955257"/>
-            <a:ext cx="1681890" cy="740532"/>
-          </a:xfrm>
-          <a:prstGeom prst="rect">
-            <a:avLst/>
-          </a:prstGeom>
-        </p:spPr>
-      </p:pic>
       <p:cxnSp>
         <p:nvCxnSpPr>
           <p:cNvPr id="31" name="直接连接符 30">
@@ -5589,13 +5520,15 @@
               </a:ext>
             </a:extLst>
           </p:cNvPr>
-          <p:cNvCxnSpPr/>
+          <p:cNvCxnSpPr>
+            <a:cxnSpLocks/>
+          </p:cNvCxnSpPr>
           <p:nvPr/>
         </p:nvCxnSpPr>
         <p:spPr>
           <a:xfrm flipV="1">
             <a:off x="6943725" y="4125498"/>
-            <a:ext cx="0" cy="152400"/>
+            <a:ext cx="0" cy="166690"/>
           </a:xfrm>
           <a:prstGeom prst="line">
             <a:avLst/>
@@ -5630,13 +5563,15 @@
               </a:ext>
             </a:extLst>
           </p:cNvPr>
-          <p:cNvCxnSpPr/>
+          <p:cNvCxnSpPr>
+            <a:cxnSpLocks/>
+          </p:cNvCxnSpPr>
           <p:nvPr/>
         </p:nvCxnSpPr>
         <p:spPr>
           <a:xfrm>
-            <a:off x="6943725" y="4125498"/>
-            <a:ext cx="333373" cy="0"/>
+            <a:off x="6927850" y="4125498"/>
+            <a:ext cx="355598" cy="0"/>
           </a:xfrm>
           <a:prstGeom prst="line">
             <a:avLst/>
@@ -5677,7 +5612,7 @@
           <p:nvPr/>
         </p:nvPicPr>
         <p:blipFill>
-          <a:blip r:embed="rId5">
+          <a:blip r:embed="rId4">
             <a:extLst>
               <a:ext uri="{28A0092B-C50C-407E-A947-70E740481C1C}">
                 <a14:useLocalDpi xmlns:a14="http://schemas.microsoft.com/office/drawing/2010/main" val="0"/>
@@ -5780,6 +5715,42 @@
           </a:fontRef>
         </p:style>
       </p:cxnSp>
+      <p:pic>
+        <p:nvPicPr>
+          <p:cNvPr id="30" name="图片 29">
+            <a:extLst>
+              <a:ext uri="{FF2B5EF4-FFF2-40B4-BE49-F238E27FC236}">
+                <a16:creationId xmlns:a16="http://schemas.microsoft.com/office/drawing/2014/main" id="{4EB0ECDE-D778-4699-8BB3-B460B506E762}"/>
+              </a:ext>
+            </a:extLst>
+          </p:cNvPr>
+          <p:cNvPicPr>
+            <a:picLocks noChangeAspect="1"/>
+          </p:cNvPicPr>
+          <p:nvPr/>
+        </p:nvPicPr>
+        <p:blipFill>
+          <a:blip r:embed="rId3">
+            <a:extLst>
+              <a:ext uri="{28A0092B-C50C-407E-A947-70E740481C1C}">
+                <a14:useLocalDpi xmlns:a14="http://schemas.microsoft.com/office/drawing/2010/main" val="0"/>
+              </a:ext>
+            </a:extLst>
+          </a:blip>
+          <a:stretch>
+            <a:fillRect/>
+          </a:stretch>
+        </p:blipFill>
+        <p:spPr>
+          <a:xfrm rot="10800000">
+            <a:off x="7277098" y="3964493"/>
+            <a:ext cx="1681890" cy="740532"/>
+          </a:xfrm>
+          <a:prstGeom prst="rect">
+            <a:avLst/>
+          </a:prstGeom>
+        </p:spPr>
+      </p:pic>
     </p:spTree>
     <p:extLst>
       <p:ext uri="{BB962C8B-B14F-4D97-AF65-F5344CB8AC3E}">
@@ -5874,7 +5845,7 @@
         </p:blipFill>
         <p:spPr>
           <a:xfrm>
-            <a:off x="7418367" y="2754813"/>
+            <a:off x="7634267" y="2754813"/>
             <a:ext cx="1348374" cy="1348374"/>
           </a:xfrm>
           <a:prstGeom prst="rect">
@@ -5982,6 +5953,181 @@
           <a:ln w="31750">
             <a:solidFill>
               <a:schemeClr val="tx1"/>
+            </a:solidFill>
+          </a:ln>
+        </p:spPr>
+        <p:style>
+          <a:lnRef idx="1">
+            <a:schemeClr val="accent1"/>
+          </a:lnRef>
+          <a:fillRef idx="0">
+            <a:schemeClr val="accent1"/>
+          </a:fillRef>
+          <a:effectRef idx="0">
+            <a:schemeClr val="accent1"/>
+          </a:effectRef>
+          <a:fontRef idx="minor">
+            <a:schemeClr val="tx1"/>
+          </a:fontRef>
+        </p:style>
+      </p:cxnSp>
+      <p:cxnSp>
+        <p:nvCxnSpPr>
+          <p:cNvPr id="7" name="直接连接符 6">
+            <a:extLst>
+              <a:ext uri="{FF2B5EF4-FFF2-40B4-BE49-F238E27FC236}">
+                <a16:creationId xmlns:a16="http://schemas.microsoft.com/office/drawing/2014/main" id="{5655FADC-3BA5-4B47-BA56-832C7C85C080}"/>
+              </a:ext>
+            </a:extLst>
+          </p:cNvPr>
+          <p:cNvCxnSpPr>
+            <a:cxnSpLocks/>
+          </p:cNvCxnSpPr>
+          <p:nvPr/>
+        </p:nvCxnSpPr>
+        <p:spPr>
+          <a:xfrm>
+            <a:off x="6538894" y="3144007"/>
+            <a:ext cx="1095373" cy="0"/>
+          </a:xfrm>
+          <a:prstGeom prst="line">
+            <a:avLst/>
+          </a:prstGeom>
+          <a:ln w="31750">
+            <a:solidFill>
+              <a:schemeClr val="accent4">
+                <a:lumMod val="60000"/>
+                <a:lumOff val="40000"/>
+              </a:schemeClr>
+            </a:solidFill>
+          </a:ln>
+        </p:spPr>
+        <p:style>
+          <a:lnRef idx="1">
+            <a:schemeClr val="accent1"/>
+          </a:lnRef>
+          <a:fillRef idx="0">
+            <a:schemeClr val="accent1"/>
+          </a:fillRef>
+          <a:effectRef idx="0">
+            <a:schemeClr val="accent1"/>
+          </a:effectRef>
+          <a:fontRef idx="minor">
+            <a:schemeClr val="tx1"/>
+          </a:fontRef>
+        </p:style>
+      </p:cxnSp>
+      <p:cxnSp>
+        <p:nvCxnSpPr>
+          <p:cNvPr id="8" name="直接连接符 7">
+            <a:extLst>
+              <a:ext uri="{FF2B5EF4-FFF2-40B4-BE49-F238E27FC236}">
+                <a16:creationId xmlns:a16="http://schemas.microsoft.com/office/drawing/2014/main" id="{245D9428-31FF-49CE-B03F-780E642C3596}"/>
+              </a:ext>
+            </a:extLst>
+          </p:cNvPr>
+          <p:cNvCxnSpPr>
+            <a:cxnSpLocks/>
+          </p:cNvCxnSpPr>
+          <p:nvPr/>
+        </p:nvCxnSpPr>
+        <p:spPr>
+          <a:xfrm>
+            <a:off x="6551594" y="3347207"/>
+            <a:ext cx="1082673" cy="0"/>
+          </a:xfrm>
+          <a:prstGeom prst="line">
+            <a:avLst/>
+          </a:prstGeom>
+          <a:ln w="31750">
+            <a:solidFill>
+              <a:srgbClr val="D4237A"/>
+            </a:solidFill>
+          </a:ln>
+        </p:spPr>
+        <p:style>
+          <a:lnRef idx="1">
+            <a:schemeClr val="accent1"/>
+          </a:lnRef>
+          <a:fillRef idx="0">
+            <a:schemeClr val="accent1"/>
+          </a:fillRef>
+          <a:effectRef idx="0">
+            <a:schemeClr val="accent1"/>
+          </a:effectRef>
+          <a:fontRef idx="minor">
+            <a:schemeClr val="tx1"/>
+          </a:fontRef>
+        </p:style>
+      </p:cxnSp>
+      <p:cxnSp>
+        <p:nvCxnSpPr>
+          <p:cNvPr id="9" name="直接连接符 8">
+            <a:extLst>
+              <a:ext uri="{FF2B5EF4-FFF2-40B4-BE49-F238E27FC236}">
+                <a16:creationId xmlns:a16="http://schemas.microsoft.com/office/drawing/2014/main" id="{A4D7204E-A3DB-49DF-B4A1-7DB3B9FA51C5}"/>
+              </a:ext>
+            </a:extLst>
+          </p:cNvPr>
+          <p:cNvCxnSpPr>
+            <a:cxnSpLocks/>
+          </p:cNvCxnSpPr>
+          <p:nvPr/>
+        </p:nvCxnSpPr>
+        <p:spPr>
+          <a:xfrm>
+            <a:off x="6564294" y="3525007"/>
+            <a:ext cx="1069973" cy="0"/>
+          </a:xfrm>
+          <a:prstGeom prst="line">
+            <a:avLst/>
+          </a:prstGeom>
+          <a:ln w="31750">
+            <a:solidFill>
+              <a:srgbClr val="1296DB"/>
+            </a:solidFill>
+          </a:ln>
+        </p:spPr>
+        <p:style>
+          <a:lnRef idx="1">
+            <a:schemeClr val="accent1"/>
+          </a:lnRef>
+          <a:fillRef idx="0">
+            <a:schemeClr val="accent1"/>
+          </a:fillRef>
+          <a:effectRef idx="0">
+            <a:schemeClr val="accent1"/>
+          </a:effectRef>
+          <a:fontRef idx="minor">
+            <a:schemeClr val="tx1"/>
+          </a:fontRef>
+        </p:style>
+      </p:cxnSp>
+      <p:cxnSp>
+        <p:nvCxnSpPr>
+          <p:cNvPr id="10" name="直接连接符 9">
+            <a:extLst>
+              <a:ext uri="{FF2B5EF4-FFF2-40B4-BE49-F238E27FC236}">
+                <a16:creationId xmlns:a16="http://schemas.microsoft.com/office/drawing/2014/main" id="{35F3BACE-9FB9-4559-BC93-1609BF834620}"/>
+              </a:ext>
+            </a:extLst>
+          </p:cNvPr>
+          <p:cNvCxnSpPr>
+            <a:cxnSpLocks/>
+          </p:cNvCxnSpPr>
+          <p:nvPr/>
+        </p:nvCxnSpPr>
+        <p:spPr>
+          <a:xfrm>
+            <a:off x="6564294" y="3702807"/>
+            <a:ext cx="1069973" cy="0"/>
+          </a:xfrm>
+          <a:prstGeom prst="line">
+            <a:avLst/>
+          </a:prstGeom>
+          <a:ln w="31750">
+            <a:solidFill>
+              <a:schemeClr val="accent2"/>
             </a:solidFill>
           </a:ln>
         </p:spPr>
@@ -6032,10 +6178,10 @@
       </p:grpSpPr>
       <p:pic>
         <p:nvPicPr>
-          <p:cNvPr id="3" name="图片 2">
-            <a:extLst>
-              <a:ext uri="{FF2B5EF4-FFF2-40B4-BE49-F238E27FC236}">
-                <a16:creationId xmlns:a16="http://schemas.microsoft.com/office/drawing/2014/main" id="{2E7F3BA1-6603-4489-8C6A-4CC30EB655EF}"/>
+          <p:cNvPr id="4" name="图片 3">
+            <a:extLst>
+              <a:ext uri="{FF2B5EF4-FFF2-40B4-BE49-F238E27FC236}">
+                <a16:creationId xmlns:a16="http://schemas.microsoft.com/office/drawing/2014/main" id="{70E54FC7-0B4D-4410-9ED9-8E06363246E0}"/>
               </a:ext>
             </a:extLst>
           </p:cNvPr>
@@ -6058,208 +6204,767 @@
         </p:blipFill>
         <p:spPr>
           <a:xfrm>
-            <a:off x="2354197" y="1464883"/>
-            <a:ext cx="7178650" cy="2909316"/>
+            <a:off x="685799" y="607218"/>
+            <a:ext cx="7524751" cy="5643564"/>
           </a:xfrm>
           <a:prstGeom prst="rect">
             <a:avLst/>
           </a:prstGeom>
         </p:spPr>
       </p:pic>
-      <p:sp>
-        <p:nvSpPr>
-          <p:cNvPr id="5" name="矩形 4">
-            <a:extLst>
-              <a:ext uri="{FF2B5EF4-FFF2-40B4-BE49-F238E27FC236}">
-                <a16:creationId xmlns:a16="http://schemas.microsoft.com/office/drawing/2014/main" id="{109CA6C1-48B2-4446-901D-F2F24A410A2B}"/>
-              </a:ext>
-            </a:extLst>
-          </p:cNvPr>
-          <p:cNvSpPr/>
+      <p:pic>
+        <p:nvPicPr>
+          <p:cNvPr id="6" name="图片 5">
+            <a:extLst>
+              <a:ext uri="{FF2B5EF4-FFF2-40B4-BE49-F238E27FC236}">
+                <a16:creationId xmlns:a16="http://schemas.microsoft.com/office/drawing/2014/main" id="{689BDC85-FD4C-476F-8F17-869C3D21DE63}"/>
+              </a:ext>
+            </a:extLst>
+          </p:cNvPr>
+          <p:cNvPicPr>
+            <a:picLocks noChangeAspect="1"/>
+          </p:cNvPicPr>
           <p:nvPr/>
-        </p:nvSpPr>
-        <p:spPr>
-          <a:xfrm>
-            <a:off x="4943476" y="2838450"/>
-            <a:ext cx="2038350" cy="1535749"/>
+        </p:nvPicPr>
+        <p:blipFill>
+          <a:blip r:embed="rId3">
+            <a:extLst>
+              <a:ext uri="{28A0092B-C50C-407E-A947-70E740481C1C}">
+                <a14:useLocalDpi xmlns:a14="http://schemas.microsoft.com/office/drawing/2010/main" val="0"/>
+              </a:ext>
+            </a:extLst>
+          </a:blip>
+          <a:stretch>
+            <a:fillRect/>
+          </a:stretch>
+        </p:blipFill>
+        <p:spPr>
+          <a:xfrm>
+            <a:off x="7605057" y="2754813"/>
+            <a:ext cx="1348374" cy="1348374"/>
           </a:xfrm>
           <a:prstGeom prst="rect">
             <a:avLst/>
           </a:prstGeom>
-          <a:noFill/>
-          <a:ln w="38100" cap="flat" cmpd="sng" algn="ctr">
-            <a:solidFill>
-              <a:schemeClr val="accent4"/>
-            </a:solidFill>
-            <a:prstDash val="solid"/>
-            <a:round/>
-            <a:headEnd type="none" w="med" len="med"/>
-            <a:tailEnd type="none" w="med" len="med"/>
-          </a:ln>
-        </p:spPr>
-        <p:style>
-          <a:lnRef idx="0">
-            <a:scrgbClr r="0" g="0" b="0"/>
-          </a:lnRef>
-          <a:fillRef idx="0">
-            <a:scrgbClr r="0" g="0" b="0"/>
-          </a:fillRef>
-          <a:effectRef idx="0">
-            <a:scrgbClr r="0" g="0" b="0"/>
-          </a:effectRef>
-          <a:fontRef idx="minor">
-            <a:schemeClr val="dk1"/>
-          </a:fontRef>
-        </p:style>
-        <p:txBody>
-          <a:bodyPr rtlCol="0" anchor="ctr"/>
-          <a:lstStyle/>
-          <a:p>
-            <a:pPr algn="ctr"/>
-            <a:endParaRPr lang="en-US"/>
-          </a:p>
-        </p:txBody>
-      </p:sp>
-      <p:sp>
-        <p:nvSpPr>
-          <p:cNvPr id="6" name="文本框 5">
-            <a:extLst>
-              <a:ext uri="{FF2B5EF4-FFF2-40B4-BE49-F238E27FC236}">
-                <a16:creationId xmlns:a16="http://schemas.microsoft.com/office/drawing/2014/main" id="{82FCDA08-E3DA-4554-90EB-92AE787F02DD}"/>
-              </a:ext>
-            </a:extLst>
-          </p:cNvPr>
-          <p:cNvSpPr txBox="1"/>
+        </p:spPr>
+      </p:pic>
+      <p:pic>
+        <p:nvPicPr>
+          <p:cNvPr id="36" name="图片 35">
+            <a:extLst>
+              <a:ext uri="{FF2B5EF4-FFF2-40B4-BE49-F238E27FC236}">
+                <a16:creationId xmlns:a16="http://schemas.microsoft.com/office/drawing/2014/main" id="{DC62773A-1BE9-43BC-B3FB-3CC5E06273BB}"/>
+              </a:ext>
+            </a:extLst>
+          </p:cNvPr>
+          <p:cNvPicPr>
+            <a:picLocks noChangeAspect="1"/>
+          </p:cNvPicPr>
           <p:nvPr/>
-        </p:nvSpPr>
-        <p:spPr>
-          <a:xfrm>
-            <a:off x="5019675" y="4035645"/>
-            <a:ext cx="580608" cy="338554"/>
+        </p:nvPicPr>
+        <p:blipFill>
+          <a:blip r:embed="rId4">
+            <a:extLst>
+              <a:ext uri="{28A0092B-C50C-407E-A947-70E740481C1C}">
+                <a14:useLocalDpi xmlns:a14="http://schemas.microsoft.com/office/drawing/2010/main" val="0"/>
+              </a:ext>
+            </a:extLst>
+          </a:blip>
+          <a:stretch>
+            <a:fillRect/>
+          </a:stretch>
+        </p:blipFill>
+        <p:spPr>
+          <a:xfrm rot="10800000">
+            <a:off x="3151166" y="804817"/>
+            <a:ext cx="1098154" cy="1098154"/>
           </a:xfrm>
           <a:prstGeom prst="rect">
             <a:avLst/>
           </a:prstGeom>
-          <a:noFill/>
-        </p:spPr>
-        <p:txBody>
-          <a:bodyPr wrap="none" rtlCol="0">
-            <a:spAutoFit/>
-          </a:bodyPr>
-          <a:lstStyle/>
-          <a:p>
-            <a:r>
-              <a:rPr lang="en-US" sz="1600" b="1"/>
-              <a:t>GND</a:t>
-            </a:r>
-          </a:p>
-        </p:txBody>
-      </p:sp>
-      <p:sp>
-        <p:nvSpPr>
-          <p:cNvPr id="7" name="文本框 6">
-            <a:extLst>
-              <a:ext uri="{FF2B5EF4-FFF2-40B4-BE49-F238E27FC236}">
-                <a16:creationId xmlns:a16="http://schemas.microsoft.com/office/drawing/2014/main" id="{4BBACC6C-8992-4F47-9472-4DE2FC79394C}"/>
-              </a:ext>
-            </a:extLst>
-          </p:cNvPr>
-          <p:cNvSpPr txBox="1"/>
+        </p:spPr>
+      </p:pic>
+      <p:cxnSp>
+        <p:nvCxnSpPr>
+          <p:cNvPr id="38" name="直接连接符 37">
+            <a:extLst>
+              <a:ext uri="{FF2B5EF4-FFF2-40B4-BE49-F238E27FC236}">
+                <a16:creationId xmlns:a16="http://schemas.microsoft.com/office/drawing/2014/main" id="{071C7FA3-8D6D-4129-BC8A-8FA19F181EEF}"/>
+              </a:ext>
+            </a:extLst>
+          </p:cNvPr>
+          <p:cNvCxnSpPr/>
           <p:nvPr/>
-        </p:nvSpPr>
-        <p:spPr>
-          <a:xfrm>
-            <a:off x="5483927" y="4035645"/>
-            <a:ext cx="521168" cy="338554"/>
+        </p:nvCxnSpPr>
+        <p:spPr>
+          <a:xfrm>
+            <a:off x="3857625" y="1619250"/>
+            <a:ext cx="0" cy="619125"/>
+          </a:xfrm>
+          <a:prstGeom prst="line">
+            <a:avLst/>
+          </a:prstGeom>
+          <a:ln w="31750">
+            <a:solidFill>
+              <a:srgbClr val="FF0000"/>
+            </a:solidFill>
+          </a:ln>
+        </p:spPr>
+        <p:style>
+          <a:lnRef idx="1">
+            <a:schemeClr val="accent1"/>
+          </a:lnRef>
+          <a:fillRef idx="0">
+            <a:schemeClr val="accent1"/>
+          </a:fillRef>
+          <a:effectRef idx="0">
+            <a:schemeClr val="accent1"/>
+          </a:effectRef>
+          <a:fontRef idx="minor">
+            <a:schemeClr val="tx1"/>
+          </a:fontRef>
+        </p:style>
+      </p:cxnSp>
+      <p:cxnSp>
+        <p:nvCxnSpPr>
+          <p:cNvPr id="39" name="直接连接符 38">
+            <a:extLst>
+              <a:ext uri="{FF2B5EF4-FFF2-40B4-BE49-F238E27FC236}">
+                <a16:creationId xmlns:a16="http://schemas.microsoft.com/office/drawing/2014/main" id="{3F1A0A1A-256B-441E-978F-4560A0B7478B}"/>
+              </a:ext>
+            </a:extLst>
+          </p:cNvPr>
+          <p:cNvCxnSpPr/>
+          <p:nvPr/>
+        </p:nvCxnSpPr>
+        <p:spPr>
+          <a:xfrm>
+            <a:off x="3533775" y="1619250"/>
+            <a:ext cx="0" cy="619125"/>
+          </a:xfrm>
+          <a:prstGeom prst="line">
+            <a:avLst/>
+          </a:prstGeom>
+          <a:ln w="31750">
+            <a:solidFill>
+              <a:schemeClr val="tx1"/>
+            </a:solidFill>
+          </a:ln>
+        </p:spPr>
+        <p:style>
+          <a:lnRef idx="1">
+            <a:schemeClr val="accent1"/>
+          </a:lnRef>
+          <a:fillRef idx="0">
+            <a:schemeClr val="accent1"/>
+          </a:fillRef>
+          <a:effectRef idx="0">
+            <a:schemeClr val="accent1"/>
+          </a:effectRef>
+          <a:fontRef idx="minor">
+            <a:schemeClr val="tx1"/>
+          </a:fontRef>
+        </p:style>
+      </p:cxnSp>
+      <p:grpSp>
+        <p:nvGrpSpPr>
+          <p:cNvPr id="25" name="组合 24">
+            <a:extLst>
+              <a:ext uri="{FF2B5EF4-FFF2-40B4-BE49-F238E27FC236}">
+                <a16:creationId xmlns:a16="http://schemas.microsoft.com/office/drawing/2014/main" id="{4FCA3339-8DAC-49A6-B1DE-7FD1E4A0DAE2}"/>
+              </a:ext>
+            </a:extLst>
+          </p:cNvPr>
+          <p:cNvGrpSpPr/>
+          <p:nvPr/>
+        </p:nvGrpSpPr>
+        <p:grpSpPr>
+          <a:xfrm>
+            <a:off x="6381414" y="3517900"/>
+            <a:ext cx="1237613" cy="997708"/>
+            <a:chOff x="6381414" y="3517900"/>
+            <a:chExt cx="1237613" cy="997708"/>
+          </a:xfrm>
+        </p:grpSpPr>
+        <p:cxnSp>
+          <p:nvCxnSpPr>
+            <p:cNvPr id="9" name="直接连接符 8">
+              <a:extLst>
+                <a:ext uri="{FF2B5EF4-FFF2-40B4-BE49-F238E27FC236}">
+                  <a16:creationId xmlns:a16="http://schemas.microsoft.com/office/drawing/2014/main" id="{A4D7204E-A3DB-49DF-B4A1-7DB3B9FA51C5}"/>
+                </a:ext>
+              </a:extLst>
+            </p:cNvPr>
+            <p:cNvCxnSpPr>
+              <a:cxnSpLocks/>
+            </p:cNvCxnSpPr>
+            <p:nvPr/>
+          </p:nvCxnSpPr>
+          <p:spPr>
+            <a:xfrm>
+              <a:off x="6386494" y="4515607"/>
+              <a:ext cx="712806" cy="0"/>
+            </a:xfrm>
+            <a:prstGeom prst="line">
+              <a:avLst/>
+            </a:prstGeom>
+            <a:ln w="31750">
+              <a:solidFill>
+                <a:srgbClr val="1296DB"/>
+              </a:solidFill>
+            </a:ln>
+          </p:spPr>
+          <p:style>
+            <a:lnRef idx="1">
+              <a:schemeClr val="accent1"/>
+            </a:lnRef>
+            <a:fillRef idx="0">
+              <a:schemeClr val="accent1"/>
+            </a:fillRef>
+            <a:effectRef idx="0">
+              <a:schemeClr val="accent1"/>
+            </a:effectRef>
+            <a:fontRef idx="minor">
+              <a:schemeClr val="tx1"/>
+            </a:fontRef>
+          </p:style>
+        </p:cxnSp>
+        <p:cxnSp>
+          <p:nvCxnSpPr>
+            <p:cNvPr id="10" name="直接连接符 9">
+              <a:extLst>
+                <a:ext uri="{FF2B5EF4-FFF2-40B4-BE49-F238E27FC236}">
+                  <a16:creationId xmlns:a16="http://schemas.microsoft.com/office/drawing/2014/main" id="{35F3BACE-9FB9-4559-BC93-1609BF834620}"/>
+                </a:ext>
+              </a:extLst>
+            </p:cNvPr>
+            <p:cNvCxnSpPr>
+              <a:cxnSpLocks/>
+            </p:cNvCxnSpPr>
+            <p:nvPr/>
+          </p:nvCxnSpPr>
+          <p:spPr>
+            <a:xfrm>
+              <a:off x="6381414" y="4274307"/>
+              <a:ext cx="509606" cy="0"/>
+            </a:xfrm>
+            <a:prstGeom prst="line">
+              <a:avLst/>
+            </a:prstGeom>
+            <a:ln w="31750">
+              <a:solidFill>
+                <a:schemeClr val="accent2"/>
+              </a:solidFill>
+            </a:ln>
+          </p:spPr>
+          <p:style>
+            <a:lnRef idx="1">
+              <a:schemeClr val="accent1"/>
+            </a:lnRef>
+            <a:fillRef idx="0">
+              <a:schemeClr val="accent1"/>
+            </a:fillRef>
+            <a:effectRef idx="0">
+              <a:schemeClr val="accent1"/>
+            </a:effectRef>
+            <a:fontRef idx="minor">
+              <a:schemeClr val="tx1"/>
+            </a:fontRef>
+          </p:style>
+        </p:cxnSp>
+        <p:cxnSp>
+          <p:nvCxnSpPr>
+            <p:cNvPr id="11" name="直接连接符 10">
+              <a:extLst>
+                <a:ext uri="{FF2B5EF4-FFF2-40B4-BE49-F238E27FC236}">
+                  <a16:creationId xmlns:a16="http://schemas.microsoft.com/office/drawing/2014/main" id="{0C66FEED-2C57-4873-96A2-671121BEB540}"/>
+                </a:ext>
+              </a:extLst>
+            </p:cNvPr>
+            <p:cNvCxnSpPr/>
+            <p:nvPr/>
+          </p:nvCxnSpPr>
+          <p:spPr>
+            <a:xfrm flipV="1">
+              <a:off x="6883400" y="3728720"/>
+              <a:ext cx="0" cy="553207"/>
+            </a:xfrm>
+            <a:prstGeom prst="line">
+              <a:avLst/>
+            </a:prstGeom>
+            <a:ln w="31750">
+              <a:solidFill>
+                <a:schemeClr val="accent2"/>
+              </a:solidFill>
+            </a:ln>
+          </p:spPr>
+          <p:style>
+            <a:lnRef idx="1">
+              <a:schemeClr val="accent1"/>
+            </a:lnRef>
+            <a:fillRef idx="0">
+              <a:schemeClr val="accent1"/>
+            </a:fillRef>
+            <a:effectRef idx="0">
+              <a:schemeClr val="accent1"/>
+            </a:effectRef>
+            <a:fontRef idx="minor">
+              <a:schemeClr val="tx1"/>
+            </a:fontRef>
+          </p:style>
+        </p:cxnSp>
+        <p:cxnSp>
+          <p:nvCxnSpPr>
+            <p:cNvPr id="13" name="直接连接符 12">
+              <a:extLst>
+                <a:ext uri="{FF2B5EF4-FFF2-40B4-BE49-F238E27FC236}">
+                  <a16:creationId xmlns:a16="http://schemas.microsoft.com/office/drawing/2014/main" id="{994E3A11-1307-40AE-855F-3B240BE617F4}"/>
+                </a:ext>
+              </a:extLst>
+            </p:cNvPr>
+            <p:cNvCxnSpPr>
+              <a:cxnSpLocks/>
+            </p:cNvCxnSpPr>
+            <p:nvPr/>
+          </p:nvCxnSpPr>
+          <p:spPr>
+            <a:xfrm>
+              <a:off x="6868160" y="3721100"/>
+              <a:ext cx="750867" cy="0"/>
+            </a:xfrm>
+            <a:prstGeom prst="line">
+              <a:avLst/>
+            </a:prstGeom>
+            <a:ln w="31750">
+              <a:solidFill>
+                <a:schemeClr val="accent2"/>
+              </a:solidFill>
+            </a:ln>
+          </p:spPr>
+          <p:style>
+            <a:lnRef idx="1">
+              <a:schemeClr val="accent1"/>
+            </a:lnRef>
+            <a:fillRef idx="0">
+              <a:schemeClr val="accent1"/>
+            </a:fillRef>
+            <a:effectRef idx="0">
+              <a:schemeClr val="accent1"/>
+            </a:effectRef>
+            <a:fontRef idx="minor">
+              <a:schemeClr val="tx1"/>
+            </a:fontRef>
+          </p:style>
+        </p:cxnSp>
+        <p:cxnSp>
+          <p:nvCxnSpPr>
+            <p:cNvPr id="16" name="直接连接符 15">
+              <a:extLst>
+                <a:ext uri="{FF2B5EF4-FFF2-40B4-BE49-F238E27FC236}">
+                  <a16:creationId xmlns:a16="http://schemas.microsoft.com/office/drawing/2014/main" id="{2D736475-B09D-4FA1-A25C-8373B1A1A0C7}"/>
+                </a:ext>
+              </a:extLst>
+            </p:cNvPr>
+            <p:cNvCxnSpPr>
+              <a:cxnSpLocks/>
+            </p:cNvCxnSpPr>
+            <p:nvPr/>
+          </p:nvCxnSpPr>
+          <p:spPr>
+            <a:xfrm flipV="1">
+              <a:off x="7091680" y="3517900"/>
+              <a:ext cx="0" cy="997708"/>
+            </a:xfrm>
+            <a:prstGeom prst="line">
+              <a:avLst/>
+            </a:prstGeom>
+            <a:ln w="31750">
+              <a:solidFill>
+                <a:srgbClr val="1296DB"/>
+              </a:solidFill>
+            </a:ln>
+          </p:spPr>
+          <p:style>
+            <a:lnRef idx="1">
+              <a:schemeClr val="accent1"/>
+            </a:lnRef>
+            <a:fillRef idx="0">
+              <a:schemeClr val="accent1"/>
+            </a:fillRef>
+            <a:effectRef idx="0">
+              <a:schemeClr val="accent1"/>
+            </a:effectRef>
+            <a:fontRef idx="minor">
+              <a:schemeClr val="tx1"/>
+            </a:fontRef>
+          </p:style>
+        </p:cxnSp>
+        <p:cxnSp>
+          <p:nvCxnSpPr>
+            <p:cNvPr id="18" name="直接连接符 17">
+              <a:extLst>
+                <a:ext uri="{FF2B5EF4-FFF2-40B4-BE49-F238E27FC236}">
+                  <a16:creationId xmlns:a16="http://schemas.microsoft.com/office/drawing/2014/main" id="{F27AA372-C3D3-44B5-9D09-835835D29FC3}"/>
+                </a:ext>
+              </a:extLst>
+            </p:cNvPr>
+            <p:cNvCxnSpPr>
+              <a:cxnSpLocks/>
+            </p:cNvCxnSpPr>
+            <p:nvPr/>
+          </p:nvCxnSpPr>
+          <p:spPr>
+            <a:xfrm>
+              <a:off x="7084060" y="3525520"/>
+              <a:ext cx="534967" cy="0"/>
+            </a:xfrm>
+            <a:prstGeom prst="line">
+              <a:avLst/>
+            </a:prstGeom>
+            <a:ln w="31750">
+              <a:solidFill>
+                <a:srgbClr val="1296DB"/>
+              </a:solidFill>
+            </a:ln>
+          </p:spPr>
+          <p:style>
+            <a:lnRef idx="1">
+              <a:schemeClr val="accent1"/>
+            </a:lnRef>
+            <a:fillRef idx="0">
+              <a:schemeClr val="accent1"/>
+            </a:fillRef>
+            <a:effectRef idx="0">
+              <a:schemeClr val="accent1"/>
+            </a:effectRef>
+            <a:fontRef idx="minor">
+              <a:schemeClr val="tx1"/>
+            </a:fontRef>
+          </p:style>
+        </p:cxnSp>
+      </p:grpSp>
+      <p:cxnSp>
+        <p:nvCxnSpPr>
+          <p:cNvPr id="30" name="直接连接符 29">
+            <a:extLst>
+              <a:ext uri="{FF2B5EF4-FFF2-40B4-BE49-F238E27FC236}">
+                <a16:creationId xmlns:a16="http://schemas.microsoft.com/office/drawing/2014/main" id="{88DDBFE8-04E0-41C4-9592-08104BDD0F19}"/>
+              </a:ext>
+            </a:extLst>
+          </p:cNvPr>
+          <p:cNvCxnSpPr>
+            <a:cxnSpLocks/>
+          </p:cNvCxnSpPr>
+          <p:nvPr/>
+        </p:nvCxnSpPr>
+        <p:spPr>
+          <a:xfrm>
+            <a:off x="6381414" y="2610624"/>
+            <a:ext cx="727412" cy="0"/>
+          </a:xfrm>
+          <a:prstGeom prst="line">
+            <a:avLst/>
+          </a:prstGeom>
+          <a:ln w="31750">
+            <a:solidFill>
+              <a:srgbClr val="FFD700"/>
+            </a:solidFill>
+          </a:ln>
+        </p:spPr>
+        <p:style>
+          <a:lnRef idx="1">
+            <a:schemeClr val="accent1"/>
+          </a:lnRef>
+          <a:fillRef idx="0">
+            <a:schemeClr val="accent1"/>
+          </a:fillRef>
+          <a:effectRef idx="0">
+            <a:schemeClr val="accent1"/>
+          </a:effectRef>
+          <a:fontRef idx="minor">
+            <a:schemeClr val="tx1"/>
+          </a:fontRef>
+        </p:style>
+      </p:cxnSp>
+      <p:cxnSp>
+        <p:nvCxnSpPr>
+          <p:cNvPr id="31" name="直接连接符 30">
+            <a:extLst>
+              <a:ext uri="{FF2B5EF4-FFF2-40B4-BE49-F238E27FC236}">
+                <a16:creationId xmlns:a16="http://schemas.microsoft.com/office/drawing/2014/main" id="{46282D52-F8FD-46BD-A4E0-0A9236E32D57}"/>
+              </a:ext>
+            </a:extLst>
+          </p:cNvPr>
+          <p:cNvCxnSpPr>
+            <a:cxnSpLocks/>
+          </p:cNvCxnSpPr>
+          <p:nvPr/>
+        </p:nvCxnSpPr>
+        <p:spPr>
+          <a:xfrm>
+            <a:off x="6381414" y="2369324"/>
+            <a:ext cx="509606" cy="0"/>
+          </a:xfrm>
+          <a:prstGeom prst="line">
+            <a:avLst/>
+          </a:prstGeom>
+          <a:ln w="31750">
+            <a:solidFill>
+              <a:srgbClr val="D4237A"/>
+            </a:solidFill>
+          </a:ln>
+        </p:spPr>
+        <p:style>
+          <a:lnRef idx="1">
+            <a:schemeClr val="accent1"/>
+          </a:lnRef>
+          <a:fillRef idx="0">
+            <a:schemeClr val="accent1"/>
+          </a:fillRef>
+          <a:effectRef idx="0">
+            <a:schemeClr val="accent1"/>
+          </a:effectRef>
+          <a:fontRef idx="minor">
+            <a:schemeClr val="tx1"/>
+          </a:fontRef>
+        </p:style>
+      </p:cxnSp>
+      <p:cxnSp>
+        <p:nvCxnSpPr>
+          <p:cNvPr id="32" name="直接连接符 31">
+            <a:extLst>
+              <a:ext uri="{FF2B5EF4-FFF2-40B4-BE49-F238E27FC236}">
+                <a16:creationId xmlns:a16="http://schemas.microsoft.com/office/drawing/2014/main" id="{13B7CC3D-6759-40FF-B236-FE8D11CCA01F}"/>
+              </a:ext>
+            </a:extLst>
+          </p:cNvPr>
+          <p:cNvCxnSpPr>
+            <a:cxnSpLocks/>
+          </p:cNvCxnSpPr>
+          <p:nvPr/>
+        </p:nvCxnSpPr>
+        <p:spPr>
+          <a:xfrm>
+            <a:off x="6883400" y="2369324"/>
+            <a:ext cx="0" cy="952996"/>
+          </a:xfrm>
+          <a:prstGeom prst="line">
+            <a:avLst/>
+          </a:prstGeom>
+          <a:ln w="31750">
+            <a:solidFill>
+              <a:srgbClr val="D4237A"/>
+            </a:solidFill>
+          </a:ln>
+        </p:spPr>
+        <p:style>
+          <a:lnRef idx="1">
+            <a:schemeClr val="accent1"/>
+          </a:lnRef>
+          <a:fillRef idx="0">
+            <a:schemeClr val="accent1"/>
+          </a:fillRef>
+          <a:effectRef idx="0">
+            <a:schemeClr val="accent1"/>
+          </a:effectRef>
+          <a:fontRef idx="minor">
+            <a:schemeClr val="tx1"/>
+          </a:fontRef>
+        </p:style>
+      </p:cxnSp>
+      <p:cxnSp>
+        <p:nvCxnSpPr>
+          <p:cNvPr id="33" name="直接连接符 32">
+            <a:extLst>
+              <a:ext uri="{FF2B5EF4-FFF2-40B4-BE49-F238E27FC236}">
+                <a16:creationId xmlns:a16="http://schemas.microsoft.com/office/drawing/2014/main" id="{C720996D-EE54-498C-8B0B-8D915FD27B57}"/>
+              </a:ext>
+            </a:extLst>
+          </p:cNvPr>
+          <p:cNvCxnSpPr>
+            <a:cxnSpLocks/>
+          </p:cNvCxnSpPr>
+          <p:nvPr/>
+        </p:nvCxnSpPr>
+        <p:spPr>
+          <a:xfrm>
+            <a:off x="6868160" y="3322320"/>
+            <a:ext cx="756190" cy="0"/>
+          </a:xfrm>
+          <a:prstGeom prst="line">
+            <a:avLst/>
+          </a:prstGeom>
+          <a:ln w="31750">
+            <a:solidFill>
+              <a:srgbClr val="D4237A"/>
+            </a:solidFill>
+          </a:ln>
+        </p:spPr>
+        <p:style>
+          <a:lnRef idx="1">
+            <a:schemeClr val="accent1"/>
+          </a:lnRef>
+          <a:fillRef idx="0">
+            <a:schemeClr val="accent1"/>
+          </a:fillRef>
+          <a:effectRef idx="0">
+            <a:schemeClr val="accent1"/>
+          </a:effectRef>
+          <a:fontRef idx="minor">
+            <a:schemeClr val="tx1"/>
+          </a:fontRef>
+        </p:style>
+      </p:cxnSp>
+      <p:cxnSp>
+        <p:nvCxnSpPr>
+          <p:cNvPr id="34" name="直接连接符 33">
+            <a:extLst>
+              <a:ext uri="{FF2B5EF4-FFF2-40B4-BE49-F238E27FC236}">
+                <a16:creationId xmlns:a16="http://schemas.microsoft.com/office/drawing/2014/main" id="{5A8651DE-ED27-417A-96D0-75506F6AACBC}"/>
+              </a:ext>
+            </a:extLst>
+          </p:cNvPr>
+          <p:cNvCxnSpPr>
+            <a:cxnSpLocks/>
+          </p:cNvCxnSpPr>
+          <p:nvPr/>
+        </p:nvCxnSpPr>
+        <p:spPr>
+          <a:xfrm>
+            <a:off x="7099300" y="2610624"/>
+            <a:ext cx="0" cy="505955"/>
+          </a:xfrm>
+          <a:prstGeom prst="line">
+            <a:avLst/>
+          </a:prstGeom>
+          <a:ln w="31750">
+            <a:solidFill>
+              <a:srgbClr val="FFD700"/>
+            </a:solidFill>
+          </a:ln>
+        </p:spPr>
+        <p:style>
+          <a:lnRef idx="1">
+            <a:schemeClr val="accent1"/>
+          </a:lnRef>
+          <a:fillRef idx="0">
+            <a:schemeClr val="accent1"/>
+          </a:fillRef>
+          <a:effectRef idx="0">
+            <a:schemeClr val="accent1"/>
+          </a:effectRef>
+          <a:fontRef idx="minor">
+            <a:schemeClr val="tx1"/>
+          </a:fontRef>
+        </p:style>
+      </p:cxnSp>
+      <p:cxnSp>
+        <p:nvCxnSpPr>
+          <p:cNvPr id="35" name="直接连接符 34">
+            <a:extLst>
+              <a:ext uri="{FF2B5EF4-FFF2-40B4-BE49-F238E27FC236}">
+                <a16:creationId xmlns:a16="http://schemas.microsoft.com/office/drawing/2014/main" id="{F379476D-2324-4D71-8A95-84760D9FFB64}"/>
+              </a:ext>
+            </a:extLst>
+          </p:cNvPr>
+          <p:cNvCxnSpPr/>
+          <p:nvPr/>
+        </p:nvCxnSpPr>
+        <p:spPr>
+          <a:xfrm>
+            <a:off x="7091680" y="3116579"/>
+            <a:ext cx="534967" cy="0"/>
+          </a:xfrm>
+          <a:prstGeom prst="line">
+            <a:avLst/>
+          </a:prstGeom>
+          <a:ln w="31750">
+            <a:solidFill>
+              <a:srgbClr val="FFD700"/>
+            </a:solidFill>
+          </a:ln>
+        </p:spPr>
+        <p:style>
+          <a:lnRef idx="1">
+            <a:schemeClr val="accent1"/>
+          </a:lnRef>
+          <a:fillRef idx="0">
+            <a:schemeClr val="accent1"/>
+          </a:fillRef>
+          <a:effectRef idx="0">
+            <a:schemeClr val="accent1"/>
+          </a:effectRef>
+          <a:fontRef idx="minor">
+            <a:schemeClr val="tx1"/>
+          </a:fontRef>
+        </p:style>
+      </p:cxnSp>
+    </p:spTree>
+    <p:extLst>
+      <p:ext uri="{BB962C8B-B14F-4D97-AF65-F5344CB8AC3E}">
+        <p14:creationId xmlns:p14="http://schemas.microsoft.com/office/powerpoint/2010/main" val="1058661883"/>
+      </p:ext>
+    </p:extLst>
+  </p:cSld>
+  <p:clrMapOvr>
+    <a:masterClrMapping/>
+  </p:clrMapOvr>
+</p:sld>
+</file>
+
+<file path=ppt/slides/slide6.xml><?xml version="1.0" encoding="utf-8"?>
+<p:sld xmlns:a="http://schemas.openxmlformats.org/drawingml/2006/main" xmlns:r="http://schemas.openxmlformats.org/officeDocument/2006/relationships" xmlns:p="http://schemas.openxmlformats.org/presentationml/2006/main">
+  <p:cSld>
+    <p:spTree>
+      <p:nvGrpSpPr>
+        <p:cNvPr id="1" name=""/>
+        <p:cNvGrpSpPr/>
+        <p:nvPr/>
+      </p:nvGrpSpPr>
+      <p:grpSpPr>
+        <a:xfrm>
+          <a:off x="0" y="0"/>
+          <a:ext cx="0" cy="0"/>
+          <a:chOff x="0" y="0"/>
+          <a:chExt cx="0" cy="0"/>
+        </a:xfrm>
+      </p:grpSpPr>
+      <p:pic>
+        <p:nvPicPr>
+          <p:cNvPr id="4" name="图片 3">
+            <a:extLst>
+              <a:ext uri="{FF2B5EF4-FFF2-40B4-BE49-F238E27FC236}">
+                <a16:creationId xmlns:a16="http://schemas.microsoft.com/office/drawing/2014/main" id="{FB97D8A1-4F0E-481D-AF2C-F980B6674A29}"/>
+              </a:ext>
+            </a:extLst>
+          </p:cNvPr>
+          <p:cNvPicPr>
+            <a:picLocks noChangeAspect="1"/>
+          </p:cNvPicPr>
+          <p:nvPr/>
+        </p:nvPicPr>
+        <p:blipFill>
+          <a:blip r:embed="rId2">
+            <a:extLst>
+              <a:ext uri="{28A0092B-C50C-407E-A947-70E740481C1C}">
+                <a14:useLocalDpi xmlns:a14="http://schemas.microsoft.com/office/drawing/2010/main" val="0"/>
+              </a:ext>
+            </a:extLst>
+          </a:blip>
+          <a:stretch>
+            <a:fillRect/>
+          </a:stretch>
+        </p:blipFill>
+        <p:spPr>
+          <a:xfrm>
+            <a:off x="3715047" y="1471857"/>
+            <a:ext cx="4761905" cy="3914286"/>
           </a:xfrm>
           <a:prstGeom prst="rect">
             <a:avLst/>
           </a:prstGeom>
-          <a:noFill/>
-        </p:spPr>
-        <p:txBody>
-          <a:bodyPr wrap="none" rtlCol="0">
-            <a:spAutoFit/>
-          </a:bodyPr>
-          <a:lstStyle/>
-          <a:p>
-            <a:r>
-              <a:rPr lang="en-US" sz="1600" b="1"/>
-              <a:t>VCC</a:t>
-            </a:r>
-          </a:p>
-        </p:txBody>
-      </p:sp>
-      <p:sp>
-        <p:nvSpPr>
-          <p:cNvPr id="8" name="文本框 7">
-            <a:extLst>
-              <a:ext uri="{FF2B5EF4-FFF2-40B4-BE49-F238E27FC236}">
-                <a16:creationId xmlns:a16="http://schemas.microsoft.com/office/drawing/2014/main" id="{18947B37-3E63-4E21-A550-F11316D55F0E}"/>
-              </a:ext>
-            </a:extLst>
-          </p:cNvPr>
-          <p:cNvSpPr txBox="1"/>
-          <p:nvPr/>
-        </p:nvSpPr>
-        <p:spPr>
-          <a:xfrm>
-            <a:off x="5888985" y="4035645"/>
-            <a:ext cx="532518" cy="338554"/>
-          </a:xfrm>
-          <a:prstGeom prst="rect">
-            <a:avLst/>
-          </a:prstGeom>
-          <a:noFill/>
-        </p:spPr>
-        <p:txBody>
-          <a:bodyPr wrap="none" rtlCol="0">
-            <a:spAutoFit/>
-          </a:bodyPr>
-          <a:lstStyle/>
-          <a:p>
-            <a:r>
-              <a:rPr lang="en-US" sz="1600" b="1"/>
-              <a:t>SDA</a:t>
-            </a:r>
-          </a:p>
-        </p:txBody>
-      </p:sp>
-      <p:sp>
-        <p:nvSpPr>
-          <p:cNvPr id="9" name="文本框 8">
-            <a:extLst>
-              <a:ext uri="{FF2B5EF4-FFF2-40B4-BE49-F238E27FC236}">
-                <a16:creationId xmlns:a16="http://schemas.microsoft.com/office/drawing/2014/main" id="{FD1D5A62-838F-4D82-AA83-95B60662E7E4}"/>
-              </a:ext>
-            </a:extLst>
-          </p:cNvPr>
-          <p:cNvSpPr txBox="1"/>
-          <p:nvPr/>
-        </p:nvSpPr>
-        <p:spPr>
-          <a:xfrm>
-            <a:off x="6293797" y="4035645"/>
-            <a:ext cx="478016" cy="338554"/>
-          </a:xfrm>
-          <a:prstGeom prst="rect">
-            <a:avLst/>
-          </a:prstGeom>
-          <a:noFill/>
-        </p:spPr>
-        <p:txBody>
-          <a:bodyPr wrap="none" rtlCol="0">
-            <a:spAutoFit/>
-          </a:bodyPr>
-          <a:lstStyle/>
-          <a:p>
-            <a:r>
-              <a:rPr lang="en-US" sz="1600" b="1"/>
-              <a:t>SCL</a:t>
-            </a:r>
-          </a:p>
-        </p:txBody>
-      </p:sp>
+        </p:spPr>
+      </p:pic>
     </p:spTree>
     <p:extLst>
       <p:ext uri="{BB962C8B-B14F-4D97-AF65-F5344CB8AC3E}">
